--- a/Executive_Presentation.pptx
+++ b/Executive_Presentation.pptx
@@ -815,7 +815,7 @@
   <p:cSld>
     <p:spTree>
       <p:nvGrpSpPr>
-        <p:cNvPr id="151" name="Shape 151"/>
+        <p:cNvPr id="175" name="Shape 175"/>
         <p:cNvGrpSpPr/>
         <p:nvPr/>
       </p:nvGrpSpPr>
@@ -829,7 +829,7 @@
       </p:grpSpPr>
       <p:sp>
         <p:nvSpPr>
-          <p:cNvPr id="152" name="Google Shape;152;gadbb6aafc9_0_158:notes"/>
+          <p:cNvPr id="176" name="Google Shape;176;gadbb6aafc9_0_158:notes"/>
           <p:cNvSpPr/>
           <p:nvPr>
             <p:ph idx="2" type="sldImg"/>
@@ -864,7 +864,7 @@
       </p:sp>
       <p:sp>
         <p:nvSpPr>
-          <p:cNvPr id="153" name="Google Shape;153;gadbb6aafc9_0_158:notes"/>
+          <p:cNvPr id="177" name="Google Shape;177;gadbb6aafc9_0_158:notes"/>
           <p:cNvSpPr txBox="1"/>
           <p:nvPr>
             <p:ph idx="1" type="body"/>
@@ -1013,7 +1013,7 @@
   <p:cSld>
     <p:spTree>
       <p:nvGrpSpPr>
-        <p:cNvPr id="96" name="Shape 96"/>
+        <p:cNvPr id="97" name="Shape 97"/>
         <p:cNvGrpSpPr/>
         <p:nvPr/>
       </p:nvGrpSpPr>
@@ -1027,7 +1027,7 @@
       </p:grpSpPr>
       <p:sp>
         <p:nvSpPr>
-          <p:cNvPr id="97" name="Google Shape;97;gadbb6aafc9_0_89:notes"/>
+          <p:cNvPr id="98" name="Google Shape;98;gadbb6aafc9_0_153:notes"/>
           <p:cNvSpPr/>
           <p:nvPr>
             <p:ph idx="2" type="sldImg"/>
@@ -1062,7 +1062,7 @@
       </p:sp>
       <p:sp>
         <p:nvSpPr>
-          <p:cNvPr id="98" name="Google Shape;98;gadbb6aafc9_0_89:notes"/>
+          <p:cNvPr id="99" name="Google Shape;99;gadbb6aafc9_0_153:notes"/>
           <p:cNvSpPr txBox="1"/>
           <p:nvPr>
             <p:ph idx="1" type="body"/>
@@ -1126,7 +1126,7 @@
       </p:grpSpPr>
       <p:sp>
         <p:nvSpPr>
-          <p:cNvPr id="105" name="Google Shape;105;gadbb6aafc9_0_104:notes"/>
+          <p:cNvPr id="105" name="Google Shape;105;gadbb6aafc9_0_89:notes"/>
           <p:cNvSpPr/>
           <p:nvPr>
             <p:ph idx="2" type="sldImg"/>
@@ -1161,7 +1161,7 @@
       </p:sp>
       <p:sp>
         <p:nvSpPr>
-          <p:cNvPr id="106" name="Google Shape;106;gadbb6aafc9_0_104:notes"/>
+          <p:cNvPr id="106" name="Google Shape;106;gadbb6aafc9_0_89:notes"/>
           <p:cNvSpPr txBox="1"/>
           <p:nvPr>
             <p:ph idx="1" type="body"/>
@@ -1211,7 +1211,7 @@
   <p:cSld>
     <p:spTree>
       <p:nvGrpSpPr>
-        <p:cNvPr id="112" name="Shape 112"/>
+        <p:cNvPr id="113" name="Shape 113"/>
         <p:cNvGrpSpPr/>
         <p:nvPr/>
       </p:nvGrpSpPr>
@@ -1225,7 +1225,7 @@
       </p:grpSpPr>
       <p:sp>
         <p:nvSpPr>
-          <p:cNvPr id="113" name="Google Shape;113;gadbb6aafc9_0_123:notes"/>
+          <p:cNvPr id="114" name="Google Shape;114;gadbb6aafc9_0_123:notes"/>
           <p:cNvSpPr/>
           <p:nvPr>
             <p:ph idx="2" type="sldImg"/>
@@ -1260,7 +1260,7 @@
       </p:sp>
       <p:sp>
         <p:nvSpPr>
-          <p:cNvPr id="114" name="Google Shape;114;gadbb6aafc9_0_123:notes"/>
+          <p:cNvPr id="115" name="Google Shape;115;gadbb6aafc9_0_123:notes"/>
           <p:cNvSpPr txBox="1"/>
           <p:nvPr>
             <p:ph idx="1" type="body"/>
@@ -1310,7 +1310,7 @@
   <p:cSld>
     <p:spTree>
       <p:nvGrpSpPr>
-        <p:cNvPr id="121" name="Shape 121"/>
+        <p:cNvPr id="122" name="Shape 122"/>
         <p:cNvGrpSpPr/>
         <p:nvPr/>
       </p:nvGrpSpPr>
@@ -1324,7 +1324,7 @@
       </p:grpSpPr>
       <p:sp>
         <p:nvSpPr>
-          <p:cNvPr id="122" name="Google Shape;122;gadbb6aafc9_0_118:notes"/>
+          <p:cNvPr id="123" name="Google Shape;123;gadbb6aafc9_0_118:notes"/>
           <p:cNvSpPr/>
           <p:nvPr>
             <p:ph idx="2" type="sldImg"/>
@@ -1359,7 +1359,7 @@
       </p:sp>
       <p:sp>
         <p:nvSpPr>
-          <p:cNvPr id="123" name="Google Shape;123;gadbb6aafc9_0_118:notes"/>
+          <p:cNvPr id="124" name="Google Shape;124;gadbb6aafc9_0_118:notes"/>
           <p:cNvSpPr txBox="1"/>
           <p:nvPr>
             <p:ph idx="1" type="body"/>
@@ -1409,7 +1409,7 @@
   <p:cSld>
     <p:spTree>
       <p:nvGrpSpPr>
-        <p:cNvPr id="127" name="Shape 127"/>
+        <p:cNvPr id="135" name="Shape 135"/>
         <p:cNvGrpSpPr/>
         <p:nvPr/>
       </p:nvGrpSpPr>
@@ -1423,7 +1423,7 @@
       </p:grpSpPr>
       <p:sp>
         <p:nvSpPr>
-          <p:cNvPr id="128" name="Google Shape;128;gaeecec7197_0_9:notes"/>
+          <p:cNvPr id="136" name="Google Shape;136;gadbb6aafc9_0_104:notes"/>
           <p:cNvSpPr/>
           <p:nvPr>
             <p:ph idx="2" type="sldImg"/>
@@ -1458,7 +1458,7 @@
       </p:sp>
       <p:sp>
         <p:nvSpPr>
-          <p:cNvPr id="129" name="Google Shape;129;gaeecec7197_0_9:notes"/>
+          <p:cNvPr id="137" name="Google Shape;137;gadbb6aafc9_0_104:notes"/>
           <p:cNvSpPr txBox="1"/>
           <p:nvPr>
             <p:ph idx="1" type="body"/>
@@ -1508,7 +1508,7 @@
   <p:cSld>
     <p:spTree>
       <p:nvGrpSpPr>
-        <p:cNvPr id="133" name="Shape 133"/>
+        <p:cNvPr id="144" name="Shape 144"/>
         <p:cNvGrpSpPr/>
         <p:nvPr/>
       </p:nvGrpSpPr>
@@ -1522,7 +1522,7 @@
       </p:grpSpPr>
       <p:sp>
         <p:nvSpPr>
-          <p:cNvPr id="134" name="Google Shape;134;gaeecec7197_0_1:notes"/>
+          <p:cNvPr id="145" name="Google Shape;145;gaeecec7197_0_9:notes"/>
           <p:cNvSpPr/>
           <p:nvPr>
             <p:ph idx="2" type="sldImg"/>
@@ -1557,7 +1557,7 @@
       </p:sp>
       <p:sp>
         <p:nvSpPr>
-          <p:cNvPr id="135" name="Google Shape;135;gaeecec7197_0_1:notes"/>
+          <p:cNvPr id="146" name="Google Shape;146;gaeecec7197_0_9:notes"/>
           <p:cNvSpPr txBox="1"/>
           <p:nvPr>
             <p:ph idx="1" type="body"/>
@@ -1607,7 +1607,7 @@
   <p:cSld>
     <p:spTree>
       <p:nvGrpSpPr>
-        <p:cNvPr id="144" name="Shape 144"/>
+        <p:cNvPr id="168" name="Shape 168"/>
         <p:cNvGrpSpPr/>
         <p:nvPr/>
       </p:nvGrpSpPr>
@@ -1621,7 +1621,7 @@
       </p:grpSpPr>
       <p:sp>
         <p:nvSpPr>
-          <p:cNvPr id="145" name="Google Shape;145;gadbb6aafc9_0_153:notes"/>
+          <p:cNvPr id="169" name="Google Shape;169;ga7d8dec0b5_1_0:notes"/>
           <p:cNvSpPr/>
           <p:nvPr>
             <p:ph idx="2" type="sldImg"/>
@@ -1656,7 +1656,7 @@
       </p:sp>
       <p:sp>
         <p:nvSpPr>
-          <p:cNvPr id="146" name="Google Shape;146;gadbb6aafc9_0_153:notes"/>
+          <p:cNvPr id="170" name="Google Shape;170;ga7d8dec0b5_1_0:notes"/>
           <p:cNvSpPr txBox="1"/>
           <p:nvPr>
             <p:ph idx="1" type="body"/>
@@ -8462,7 +8462,7 @@
   <p:cSld>
     <p:spTree>
       <p:nvGrpSpPr>
-        <p:cNvPr id="154" name="Shape 154"/>
+        <p:cNvPr id="178" name="Shape 178"/>
         <p:cNvGrpSpPr/>
         <p:nvPr/>
       </p:nvGrpSpPr>
@@ -8476,7 +8476,7 @@
       </p:grpSpPr>
       <p:sp>
         <p:nvSpPr>
-          <p:cNvPr id="155" name="Google Shape;155;p22"/>
+          <p:cNvPr id="179" name="Google Shape;179;p22"/>
           <p:cNvSpPr txBox="1"/>
           <p:nvPr>
             <p:ph type="title"/>
@@ -8516,7 +8516,7 @@
       </p:sp>
       <p:sp>
         <p:nvSpPr>
-          <p:cNvPr id="156" name="Google Shape;156;p22"/>
+          <p:cNvPr id="180" name="Google Shape;180;p22"/>
           <p:cNvSpPr txBox="1"/>
           <p:nvPr>
             <p:ph idx="1" type="body"/>
@@ -8668,6 +8668,55 @@
       <p:sp>
         <p:nvSpPr>
           <p:cNvPr id="93" name="Google Shape;93;p14"/>
+          <p:cNvSpPr/>
+          <p:nvPr/>
+        </p:nvSpPr>
+        <p:spPr>
+          <a:xfrm>
+            <a:off x="476400" y="4234750"/>
+            <a:ext cx="3457500" cy="756300"/>
+          </a:xfrm>
+          <a:prstGeom prst="rect">
+            <a:avLst/>
+          </a:prstGeom>
+          <a:solidFill>
+            <a:schemeClr val="lt2"/>
+          </a:solidFill>
+          <a:ln cap="flat" cmpd="sng" w="9525">
+            <a:solidFill>
+              <a:schemeClr val="dk2"/>
+            </a:solidFill>
+            <a:prstDash val="solid"/>
+            <a:round/>
+            <a:headEnd len="sm" w="sm" type="none"/>
+            <a:tailEnd len="sm" w="sm" type="none"/>
+          </a:ln>
+        </p:spPr>
+        <p:txBody>
+          <a:bodyPr anchorCtr="0" anchor="ctr" bIns="91425" lIns="91425" spcFirstLastPara="1" rIns="91425" wrap="square" tIns="91425">
+            <a:noAutofit/>
+          </a:bodyPr>
+          <a:lstStyle/>
+          <a:p>
+            <a:pPr indent="0" lvl="0" marL="0" rtl="0" algn="l">
+              <a:spcBef>
+                <a:spcPts val="0"/>
+              </a:spcBef>
+              <a:spcAft>
+                <a:spcPts val="0"/>
+              </a:spcAft>
+              <a:buNone/>
+            </a:pPr>
+            <a:r>
+              <a:t/>
+            </a:r>
+            <a:endParaRPr/>
+          </a:p>
+        </p:txBody>
+      </p:sp>
+      <p:sp>
+        <p:nvSpPr>
+          <p:cNvPr id="94" name="Google Shape;94;p14"/>
           <p:cNvSpPr txBox="1"/>
           <p:nvPr>
             <p:ph type="title"/>
@@ -8707,7 +8756,7 @@
       </p:sp>
       <p:sp>
         <p:nvSpPr>
-          <p:cNvPr id="94" name="Google Shape;94;p14"/>
+          <p:cNvPr id="95" name="Google Shape;95;p14"/>
           <p:cNvSpPr txBox="1"/>
           <p:nvPr>
             <p:ph idx="1" type="body"/>
@@ -8716,7 +8765,7 @@
         <p:spPr>
           <a:xfrm>
             <a:off x="480950" y="1968075"/>
-            <a:ext cx="3449400" cy="2261100"/>
+            <a:ext cx="3449400" cy="3067200"/>
           </a:xfrm>
           <a:prstGeom prst="rect">
             <a:avLst/>
@@ -8806,11 +8855,54 @@
             </a:pPr>
             <a:r>
               <a:rPr lang="en" u="sng"/>
-              <a:t>Goal: </a:t>
+              <a:t>Data Goal:</a:t>
+            </a:r>
+            <a:r>
+              <a:rPr lang="en"/>
+              <a:t> </a:t>
             </a:r>
             <a:r>
               <a:rPr i="1" lang="en"/>
               <a:t>Build a model to predict reader ratings of books</a:t>
+            </a:r>
+            <a:endParaRPr i="1"/>
+          </a:p>
+          <a:p>
+            <a:pPr indent="0" lvl="0" marL="0" rtl="0" algn="l">
+              <a:spcBef>
+                <a:spcPts val="1600"/>
+              </a:spcBef>
+              <a:spcAft>
+                <a:spcPts val="0"/>
+              </a:spcAft>
+              <a:buNone/>
+            </a:pPr>
+            <a:r>
+              <a:rPr lang="en" u="sng"/>
+              <a:t>Business Goal:</a:t>
+            </a:r>
+            <a:r>
+              <a:rPr lang="en"/>
+              <a:t> </a:t>
+            </a:r>
+            <a:r>
+              <a:rPr i="1" lang="en"/>
+              <a:t>Use model to improve recommendation system, driving higher purchase rates among users</a:t>
+            </a:r>
+            <a:endParaRPr i="1"/>
+          </a:p>
+          <a:p>
+            <a:pPr indent="0" lvl="0" marL="0" rtl="0" algn="l">
+              <a:spcBef>
+                <a:spcPts val="1600"/>
+              </a:spcBef>
+              <a:spcAft>
+                <a:spcPts val="0"/>
+              </a:spcAft>
+              <a:buNone/>
+            </a:pPr>
+            <a:r>
+              <a:t/>
             </a:r>
             <a:endParaRPr i="1"/>
           </a:p>
@@ -8833,7 +8925,7 @@
       </p:sp>
       <p:pic>
         <p:nvPicPr>
-          <p:cNvPr id="95" name="Google Shape;95;p14"/>
+          <p:cNvPr id="96" name="Google Shape;96;p14"/>
           <p:cNvPicPr preferRelativeResize="0"/>
           <p:nvPr/>
         </p:nvPicPr>
@@ -8872,7 +8964,7 @@
   <p:cSld>
     <p:spTree>
       <p:nvGrpSpPr>
-        <p:cNvPr id="99" name="Shape 99"/>
+        <p:cNvPr id="100" name="Shape 100"/>
         <p:cNvGrpSpPr/>
         <p:nvPr/>
       </p:nvGrpSpPr>
@@ -8886,7 +8978,7 @@
       </p:grpSpPr>
       <p:sp>
         <p:nvSpPr>
-          <p:cNvPr id="100" name="Google Shape;100;p15"/>
+          <p:cNvPr id="101" name="Google Shape;101;p15"/>
           <p:cNvSpPr txBox="1"/>
           <p:nvPr>
             <p:ph type="title"/>
@@ -8918,7 +9010,7 @@
             </a:pPr>
             <a:r>
               <a:rPr lang="en"/>
-              <a:t>Data Collection	</a:t>
+              <a:t>Key Finding</a:t>
             </a:r>
             <a:endParaRPr/>
           </a:p>
@@ -8926,7 +9018,7 @@
       </p:sp>
       <p:sp>
         <p:nvSpPr>
-          <p:cNvPr id="101" name="Google Shape;101;p15"/>
+          <p:cNvPr id="102" name="Google Shape;102;p15"/>
           <p:cNvSpPr txBox="1"/>
           <p:nvPr>
             <p:ph idx="1" type="body"/>
@@ -8935,7 +9027,7 @@
         <p:spPr>
           <a:xfrm>
             <a:off x="729450" y="2078875"/>
-            <a:ext cx="3842700" cy="2261100"/>
+            <a:ext cx="3328500" cy="2813400"/>
           </a:xfrm>
           <a:prstGeom prst="rect">
             <a:avLst/>
@@ -8957,15 +9049,68 @@
               <a:buNone/>
             </a:pPr>
             <a:r>
+              <a:rPr lang="en" u="sng"/>
+              <a:t>Most predictive feature: </a:t>
+            </a:r>
+            <a:endParaRPr u="sng"/>
+          </a:p>
+          <a:p>
+            <a:pPr indent="0" lvl="0" marL="0" rtl="0" algn="l">
+              <a:spcBef>
+                <a:spcPts val="1600"/>
+              </a:spcBef>
+              <a:spcAft>
+                <a:spcPts val="0"/>
+              </a:spcAft>
+              <a:buNone/>
+            </a:pPr>
+            <a:r>
+              <a:rPr b="1" lang="en"/>
+              <a:t>R</a:t>
+            </a:r>
+            <a:r>
+              <a:rPr b="1" lang="en"/>
+              <a:t>eader’s average rating by book cluster</a:t>
+            </a:r>
+            <a:endParaRPr/>
+          </a:p>
+          <a:p>
+            <a:pPr indent="0" lvl="0" marL="0" rtl="0" algn="l">
+              <a:spcBef>
+                <a:spcPts val="1600"/>
+              </a:spcBef>
+              <a:spcAft>
+                <a:spcPts val="0"/>
+              </a:spcAft>
+              <a:buNone/>
+            </a:pPr>
+            <a:r>
+              <a:rPr lang="en" u="sng"/>
+              <a:t>Business Takeaways</a:t>
+            </a:r>
+            <a:endParaRPr u="sng"/>
+          </a:p>
+          <a:p>
+            <a:pPr indent="-311150" lvl="0" marL="457200" rtl="0" algn="l">
+              <a:spcBef>
+                <a:spcPts val="1600"/>
+              </a:spcBef>
+              <a:spcAft>
+                <a:spcPts val="0"/>
+              </a:spcAft>
+              <a:buSzPts val="1300"/>
+              <a:buChar char="●"/>
+            </a:pPr>
+            <a:r>
               <a:rPr lang="en"/>
-              <a:t>Books - features of individual books</a:t>
+              <a:t>Expand book features </a:t>
             </a:r>
             <a:endParaRPr/>
           </a:p>
           <a:p>
             <a:pPr indent="-311150" lvl="0" marL="457200" rtl="0" algn="l">
               <a:spcBef>
-                <a:spcPts val="1600"/>
+                <a:spcPts val="0"/>
               </a:spcBef>
               <a:spcAft>
                 <a:spcPts val="0"/>
@@ -8975,7 +9120,7 @@
             </a:pPr>
             <a:r>
               <a:rPr lang="en"/>
-              <a:t>Genre</a:t>
+              <a:t>Refine clustering </a:t>
             </a:r>
             <a:endParaRPr/>
           </a:p>
@@ -8992,11 +9137,7 @@
             </a:pPr>
             <a:r>
               <a:rPr lang="en"/>
-              <a:t>Text </a:t>
-            </a:r>
-            <a:r>
-              <a:rPr lang="en"/>
-              <a:t>Description</a:t>
+              <a:t>Improve our recommendations</a:t>
             </a:r>
             <a:endParaRPr/>
           </a:p>
@@ -9013,73 +9154,30 @@
             </a:pPr>
             <a:r>
               <a:rPr lang="en"/>
-              <a:t>Author(s)</a:t>
-            </a:r>
-            <a:endParaRPr/>
-          </a:p>
-          <a:p>
-            <a:pPr indent="-311150" lvl="0" marL="457200" rtl="0" algn="l">
-              <a:spcBef>
-                <a:spcPts val="0"/>
-              </a:spcBef>
-              <a:spcAft>
-                <a:spcPts val="0"/>
-              </a:spcAft>
-              <a:buSzPts val="1300"/>
-              <a:buChar char="●"/>
-            </a:pPr>
-            <a:r>
-              <a:rPr lang="en"/>
-              <a:t>Avg Rating</a:t>
-            </a:r>
-            <a:endParaRPr/>
-          </a:p>
-          <a:p>
-            <a:pPr indent="-311150" lvl="0" marL="457200" rtl="0" algn="l">
-              <a:spcBef>
-                <a:spcPts val="0"/>
-              </a:spcBef>
-              <a:spcAft>
-                <a:spcPts val="0"/>
-              </a:spcAft>
-              <a:buSzPts val="1300"/>
-              <a:buChar char="●"/>
-            </a:pPr>
-            <a:r>
-              <a:rPr lang="en"/>
-              <a:t># of ratings</a:t>
-            </a:r>
-            <a:endParaRPr/>
-          </a:p>
-          <a:p>
-            <a:pPr indent="-311150" lvl="0" marL="457200" rtl="0" algn="l">
-              <a:spcBef>
-                <a:spcPts val="0"/>
-              </a:spcBef>
-              <a:spcAft>
-                <a:spcPts val="0"/>
-              </a:spcAft>
-              <a:buSzPts val="1300"/>
-              <a:buChar char="●"/>
-            </a:pPr>
-            <a:r>
-              <a:rPr lang="en"/>
-              <a:t>Publication Date</a:t>
+              <a:t>Increase affiliate revenue</a:t>
             </a:r>
             <a:endParaRPr/>
           </a:p>
         </p:txBody>
       </p:sp>
-      <p:sp>
-        <p:nvSpPr>
-          <p:cNvPr id="102" name="Google Shape;102;p15"/>
-          <p:cNvSpPr txBox="1"/>
+      <p:pic>
+        <p:nvPicPr>
+          <p:cNvPr id="103" name="Google Shape;103;p15"/>
+          <p:cNvPicPr preferRelativeResize="0"/>
           <p:nvPr/>
-        </p:nvSpPr>
+        </p:nvPicPr>
+        <p:blipFill>
+          <a:blip r:embed="rId3">
+            <a:alphaModFix/>
+          </a:blip>
+          <a:stretch>
+            <a:fillRect/>
+          </a:stretch>
+        </p:blipFill>
         <p:spPr>
           <a:xfrm>
-            <a:off x="894625" y="4450700"/>
-            <a:ext cx="7688700" cy="342900"/>
+            <a:off x="4057850" y="1988000"/>
+            <a:ext cx="4114800" cy="2743200"/>
           </a:xfrm>
           <a:prstGeom prst="rect">
             <a:avLst/>
@@ -9089,122 +9187,7 @@
             <a:noFill/>
           </a:ln>
         </p:spPr>
-        <p:txBody>
-          <a:bodyPr anchorCtr="0" anchor="t" bIns="91425" lIns="91425" spcFirstLastPara="1" rIns="91425" wrap="square" tIns="91425">
-            <a:noAutofit/>
-          </a:bodyPr>
-          <a:lstStyle/>
-          <a:p>
-            <a:pPr indent="0" lvl="0" marL="0" rtl="0" algn="l">
-              <a:spcBef>
-                <a:spcPts val="0"/>
-              </a:spcBef>
-              <a:spcAft>
-                <a:spcPts val="0"/>
-              </a:spcAft>
-              <a:buNone/>
-            </a:pPr>
-            <a:r>
-              <a:rPr i="1" lang="en">
-                <a:latin typeface="Lato"/>
-                <a:ea typeface="Lato"/>
-                <a:cs typeface="Lato"/>
-                <a:sym typeface="Lato"/>
-              </a:rPr>
-              <a:t>Used data collected by Mengting Wan, available here: </a:t>
-            </a:r>
-            <a:r>
-              <a:rPr i="1" lang="en" u="sng">
-                <a:latin typeface="Lato"/>
-                <a:ea typeface="Lato"/>
-                <a:cs typeface="Lato"/>
-                <a:sym typeface="Lato"/>
-              </a:rPr>
-              <a:t>https://sites.google.com/eng.ucsd.edu/ucsdbookgraph/home</a:t>
-            </a:r>
-            <a:endParaRPr i="1" u="sng">
-              <a:latin typeface="Lato"/>
-              <a:ea typeface="Lato"/>
-              <a:cs typeface="Lato"/>
-              <a:sym typeface="Lato"/>
-            </a:endParaRPr>
-          </a:p>
-        </p:txBody>
-      </p:sp>
-      <p:sp>
-        <p:nvSpPr>
-          <p:cNvPr id="103" name="Google Shape;103;p15"/>
-          <p:cNvSpPr txBox="1"/>
-          <p:nvPr>
-            <p:ph idx="1" type="body"/>
-          </p:nvPr>
-        </p:nvSpPr>
-        <p:spPr>
-          <a:xfrm>
-            <a:off x="4740625" y="2078875"/>
-            <a:ext cx="3842700" cy="2261100"/>
-          </a:xfrm>
-          <a:prstGeom prst="rect">
-            <a:avLst/>
-          </a:prstGeom>
-        </p:spPr>
-        <p:txBody>
-          <a:bodyPr anchorCtr="0" anchor="t" bIns="91425" lIns="91425" spcFirstLastPara="1" rIns="91425" wrap="square" tIns="91425">
-            <a:noAutofit/>
-          </a:bodyPr>
-          <a:lstStyle/>
-          <a:p>
-            <a:pPr indent="0" lvl="0" marL="0" rtl="0" algn="l">
-              <a:spcBef>
-                <a:spcPts val="0"/>
-              </a:spcBef>
-              <a:spcAft>
-                <a:spcPts val="0"/>
-              </a:spcAft>
-              <a:buNone/>
-            </a:pPr>
-            <a:r>
-              <a:rPr lang="en"/>
-              <a:t>Reviews - features of reviews by a specific reader</a:t>
-            </a:r>
-            <a:endParaRPr/>
-          </a:p>
-          <a:p>
-            <a:pPr indent="-311150" lvl="0" marL="457200" rtl="0" algn="l">
-              <a:spcBef>
-                <a:spcPts val="1600"/>
-              </a:spcBef>
-              <a:spcAft>
-                <a:spcPts val="0"/>
-              </a:spcAft>
-              <a:buSzPts val="1300"/>
-              <a:buChar char="●"/>
-            </a:pPr>
-            <a:r>
-              <a:rPr lang="en"/>
-              <a:t>Rating (1 through 5)</a:t>
-            </a:r>
-            <a:endParaRPr/>
-          </a:p>
-          <a:p>
-            <a:pPr indent="-311150" lvl="0" marL="457200" rtl="0" algn="l">
-              <a:spcBef>
-                <a:spcPts val="0"/>
-              </a:spcBef>
-              <a:spcAft>
-                <a:spcPts val="0"/>
-              </a:spcAft>
-              <a:buSzPts val="1300"/>
-              <a:buChar char="●"/>
-            </a:pPr>
-            <a:r>
-              <a:rPr lang="en"/>
-              <a:t>Review text</a:t>
-            </a:r>
-            <a:endParaRPr/>
-          </a:p>
-        </p:txBody>
-      </p:sp>
+      </p:pic>
     </p:spTree>
   </p:cSld>
   <p:clrMapOvr>
@@ -9264,6 +9247,1541 @@
             </a:pPr>
             <a:r>
               <a:rPr lang="en"/>
+              <a:t>My Process - Data Collection	</a:t>
+            </a:r>
+            <a:endParaRPr/>
+          </a:p>
+        </p:txBody>
+      </p:sp>
+      <p:sp>
+        <p:nvSpPr>
+          <p:cNvPr id="109" name="Google Shape;109;p16"/>
+          <p:cNvSpPr txBox="1"/>
+          <p:nvPr>
+            <p:ph idx="1" type="body"/>
+          </p:nvPr>
+        </p:nvSpPr>
+        <p:spPr>
+          <a:xfrm>
+            <a:off x="729450" y="2612275"/>
+            <a:ext cx="3842700" cy="2261100"/>
+          </a:xfrm>
+          <a:prstGeom prst="rect">
+            <a:avLst/>
+          </a:prstGeom>
+        </p:spPr>
+        <p:txBody>
+          <a:bodyPr anchorCtr="0" anchor="t" bIns="91425" lIns="91425" spcFirstLastPara="1" rIns="91425" wrap="square" tIns="91425">
+            <a:noAutofit/>
+          </a:bodyPr>
+          <a:lstStyle/>
+          <a:p>
+            <a:pPr indent="0" lvl="0" marL="0" rtl="0" algn="l">
+              <a:spcBef>
+                <a:spcPts val="0"/>
+              </a:spcBef>
+              <a:spcAft>
+                <a:spcPts val="0"/>
+              </a:spcAft>
+              <a:buNone/>
+            </a:pPr>
+            <a:r>
+              <a:rPr lang="en"/>
+              <a:t>Books dataset - lists various features of individual books:</a:t>
+            </a:r>
+            <a:endParaRPr/>
+          </a:p>
+          <a:p>
+            <a:pPr indent="-311150" lvl="0" marL="457200" rtl="0" algn="l">
+              <a:spcBef>
+                <a:spcPts val="1600"/>
+              </a:spcBef>
+              <a:spcAft>
+                <a:spcPts val="0"/>
+              </a:spcAft>
+              <a:buSzPts val="1300"/>
+              <a:buChar char="●"/>
+            </a:pPr>
+            <a:r>
+              <a:rPr lang="en"/>
+              <a:t>Genre</a:t>
+            </a:r>
+            <a:endParaRPr/>
+          </a:p>
+          <a:p>
+            <a:pPr indent="-311150" lvl="0" marL="457200" rtl="0" algn="l">
+              <a:spcBef>
+                <a:spcPts val="0"/>
+              </a:spcBef>
+              <a:spcAft>
+                <a:spcPts val="0"/>
+              </a:spcAft>
+              <a:buSzPts val="1300"/>
+              <a:buChar char="●"/>
+            </a:pPr>
+            <a:r>
+              <a:rPr lang="en"/>
+              <a:t>Text </a:t>
+            </a:r>
+            <a:r>
+              <a:rPr lang="en"/>
+              <a:t>Description</a:t>
+            </a:r>
+            <a:endParaRPr/>
+          </a:p>
+          <a:p>
+            <a:pPr indent="-311150" lvl="0" marL="457200" rtl="0" algn="l">
+              <a:spcBef>
+                <a:spcPts val="0"/>
+              </a:spcBef>
+              <a:spcAft>
+                <a:spcPts val="0"/>
+              </a:spcAft>
+              <a:buSzPts val="1300"/>
+              <a:buChar char="●"/>
+            </a:pPr>
+            <a:r>
+              <a:rPr lang="en"/>
+              <a:t>Author(s)</a:t>
+            </a:r>
+            <a:endParaRPr/>
+          </a:p>
+          <a:p>
+            <a:pPr indent="-311150" lvl="0" marL="457200" rtl="0" algn="l">
+              <a:spcBef>
+                <a:spcPts val="0"/>
+              </a:spcBef>
+              <a:spcAft>
+                <a:spcPts val="0"/>
+              </a:spcAft>
+              <a:buSzPts val="1300"/>
+              <a:buChar char="●"/>
+            </a:pPr>
+            <a:r>
+              <a:rPr lang="en"/>
+              <a:t>Avg Rating</a:t>
+            </a:r>
+            <a:endParaRPr/>
+          </a:p>
+          <a:p>
+            <a:pPr indent="-311150" lvl="0" marL="457200" rtl="0" algn="l">
+              <a:spcBef>
+                <a:spcPts val="0"/>
+              </a:spcBef>
+              <a:spcAft>
+                <a:spcPts val="0"/>
+              </a:spcAft>
+              <a:buSzPts val="1300"/>
+              <a:buChar char="●"/>
+            </a:pPr>
+            <a:r>
+              <a:rPr lang="en"/>
+              <a:t># of ratings</a:t>
+            </a:r>
+            <a:endParaRPr/>
+          </a:p>
+          <a:p>
+            <a:pPr indent="-311150" lvl="0" marL="457200" rtl="0" algn="l">
+              <a:spcBef>
+                <a:spcPts val="0"/>
+              </a:spcBef>
+              <a:spcAft>
+                <a:spcPts val="0"/>
+              </a:spcAft>
+              <a:buSzPts val="1300"/>
+              <a:buChar char="●"/>
+            </a:pPr>
+            <a:r>
+              <a:rPr lang="en"/>
+              <a:t>Publication Date</a:t>
+            </a:r>
+            <a:endParaRPr/>
+          </a:p>
+        </p:txBody>
+      </p:sp>
+      <p:sp>
+        <p:nvSpPr>
+          <p:cNvPr id="110" name="Google Shape;110;p16"/>
+          <p:cNvSpPr txBox="1"/>
+          <p:nvPr/>
+        </p:nvSpPr>
+        <p:spPr>
+          <a:xfrm>
+            <a:off x="894625" y="4745975"/>
+            <a:ext cx="7688700" cy="342900"/>
+          </a:xfrm>
+          <a:prstGeom prst="rect">
+            <a:avLst/>
+          </a:prstGeom>
+          <a:noFill/>
+          <a:ln>
+            <a:noFill/>
+          </a:ln>
+        </p:spPr>
+        <p:txBody>
+          <a:bodyPr anchorCtr="0" anchor="t" bIns="91425" lIns="91425" spcFirstLastPara="1" rIns="91425" wrap="square" tIns="91425">
+            <a:noAutofit/>
+          </a:bodyPr>
+          <a:lstStyle/>
+          <a:p>
+            <a:pPr indent="0" lvl="0" marL="0" rtl="0" algn="l">
+              <a:spcBef>
+                <a:spcPts val="0"/>
+              </a:spcBef>
+              <a:spcAft>
+                <a:spcPts val="0"/>
+              </a:spcAft>
+              <a:buNone/>
+            </a:pPr>
+            <a:r>
+              <a:rPr i="1" lang="en" sz="800">
+                <a:latin typeface="Lato"/>
+                <a:ea typeface="Lato"/>
+                <a:cs typeface="Lato"/>
+                <a:sym typeface="Lato"/>
+              </a:rPr>
+              <a:t>Used data collected by Mengting Wan, available here: </a:t>
+            </a:r>
+            <a:r>
+              <a:rPr i="1" lang="en" sz="800" u="sng">
+                <a:latin typeface="Lato"/>
+                <a:ea typeface="Lato"/>
+                <a:cs typeface="Lato"/>
+                <a:sym typeface="Lato"/>
+              </a:rPr>
+              <a:t>https://sites.google.com/eng.ucsd.edu/ucsdbookgraph/home</a:t>
+            </a:r>
+            <a:endParaRPr i="1" sz="800" u="sng">
+              <a:latin typeface="Lato"/>
+              <a:ea typeface="Lato"/>
+              <a:cs typeface="Lato"/>
+              <a:sym typeface="Lato"/>
+            </a:endParaRPr>
+          </a:p>
+        </p:txBody>
+      </p:sp>
+      <p:sp>
+        <p:nvSpPr>
+          <p:cNvPr id="111" name="Google Shape;111;p16"/>
+          <p:cNvSpPr txBox="1"/>
+          <p:nvPr>
+            <p:ph idx="1" type="body"/>
+          </p:nvPr>
+        </p:nvSpPr>
+        <p:spPr>
+          <a:xfrm>
+            <a:off x="4740625" y="2612275"/>
+            <a:ext cx="3842700" cy="2261100"/>
+          </a:xfrm>
+          <a:prstGeom prst="rect">
+            <a:avLst/>
+          </a:prstGeom>
+        </p:spPr>
+        <p:txBody>
+          <a:bodyPr anchorCtr="0" anchor="t" bIns="91425" lIns="91425" spcFirstLastPara="1" rIns="91425" wrap="square" tIns="91425">
+            <a:noAutofit/>
+          </a:bodyPr>
+          <a:lstStyle/>
+          <a:p>
+            <a:pPr indent="0" lvl="0" marL="0" rtl="0" algn="l">
+              <a:spcBef>
+                <a:spcPts val="0"/>
+              </a:spcBef>
+              <a:spcAft>
+                <a:spcPts val="0"/>
+              </a:spcAft>
+              <a:buNone/>
+            </a:pPr>
+            <a:r>
+              <a:rPr lang="en"/>
+              <a:t>Reviews dataset - features of reviews by a specific reader</a:t>
+            </a:r>
+            <a:endParaRPr/>
+          </a:p>
+          <a:p>
+            <a:pPr indent="-311150" lvl="0" marL="457200" rtl="0" algn="l">
+              <a:spcBef>
+                <a:spcPts val="1600"/>
+              </a:spcBef>
+              <a:spcAft>
+                <a:spcPts val="0"/>
+              </a:spcAft>
+              <a:buSzPts val="1300"/>
+              <a:buChar char="●"/>
+            </a:pPr>
+            <a:r>
+              <a:rPr lang="en"/>
+              <a:t>Rating (1 through 5)</a:t>
+            </a:r>
+            <a:endParaRPr/>
+          </a:p>
+          <a:p>
+            <a:pPr indent="-311150" lvl="0" marL="457200" rtl="0" algn="l">
+              <a:spcBef>
+                <a:spcPts val="0"/>
+              </a:spcBef>
+              <a:spcAft>
+                <a:spcPts val="0"/>
+              </a:spcAft>
+              <a:buSzPts val="1300"/>
+              <a:buChar char="●"/>
+            </a:pPr>
+            <a:r>
+              <a:rPr lang="en"/>
+              <a:t>Review text</a:t>
+            </a:r>
+            <a:endParaRPr/>
+          </a:p>
+        </p:txBody>
+      </p:sp>
+      <p:sp>
+        <p:nvSpPr>
+          <p:cNvPr id="112" name="Google Shape;112;p16"/>
+          <p:cNvSpPr txBox="1"/>
+          <p:nvPr/>
+        </p:nvSpPr>
+        <p:spPr>
+          <a:xfrm>
+            <a:off x="853650" y="1902275"/>
+            <a:ext cx="7629600" cy="581100"/>
+          </a:xfrm>
+          <a:prstGeom prst="rect">
+            <a:avLst/>
+          </a:prstGeom>
+          <a:noFill/>
+          <a:ln>
+            <a:noFill/>
+          </a:ln>
+        </p:spPr>
+        <p:txBody>
+          <a:bodyPr anchorCtr="0" anchor="t" bIns="91425" lIns="91425" spcFirstLastPara="1" rIns="91425" wrap="square" tIns="91425">
+            <a:noAutofit/>
+          </a:bodyPr>
+          <a:lstStyle/>
+          <a:p>
+            <a:pPr indent="-317500" lvl="0" marL="457200" rtl="0" algn="l">
+              <a:spcBef>
+                <a:spcPts val="0"/>
+              </a:spcBef>
+              <a:spcAft>
+                <a:spcPts val="0"/>
+              </a:spcAft>
+              <a:buSzPts val="1400"/>
+              <a:buFont typeface="Lato"/>
+              <a:buChar char="➔"/>
+            </a:pPr>
+            <a:r>
+              <a:rPr lang="en">
+                <a:latin typeface="Lato"/>
+                <a:ea typeface="Lato"/>
+                <a:cs typeface="Lato"/>
+                <a:sym typeface="Lato"/>
+              </a:rPr>
+              <a:t>Combined two datasets, dozens of combined attributes</a:t>
+            </a:r>
+            <a:endParaRPr>
+              <a:latin typeface="Lato"/>
+              <a:ea typeface="Lato"/>
+              <a:cs typeface="Lato"/>
+              <a:sym typeface="Lato"/>
+            </a:endParaRPr>
+          </a:p>
+          <a:p>
+            <a:pPr indent="-317500" lvl="0" marL="457200" rtl="0" algn="l">
+              <a:spcBef>
+                <a:spcPts val="0"/>
+              </a:spcBef>
+              <a:spcAft>
+                <a:spcPts val="0"/>
+              </a:spcAft>
+              <a:buSzPts val="1400"/>
+              <a:buFont typeface="Lato"/>
+              <a:buChar char="➔"/>
+            </a:pPr>
+            <a:r>
+              <a:rPr lang="en">
+                <a:latin typeface="Lato"/>
+                <a:ea typeface="Lato"/>
+                <a:cs typeface="Lato"/>
+                <a:sym typeface="Lato"/>
+              </a:rPr>
+              <a:t>Kept features below as starting point</a:t>
+            </a:r>
+            <a:endParaRPr>
+              <a:latin typeface="Lato"/>
+              <a:ea typeface="Lato"/>
+              <a:cs typeface="Lato"/>
+              <a:sym typeface="Lato"/>
+            </a:endParaRPr>
+          </a:p>
+        </p:txBody>
+      </p:sp>
+    </p:spTree>
+  </p:cSld>
+  <p:clrMapOvr>
+    <a:masterClrMapping/>
+  </p:clrMapOvr>
+</p:sld>
+</file>
+
+<file path=ppt/slides/slide5.xml><?xml version="1.0" encoding="utf-8"?>
+<p:sld xmlns:a="http://schemas.openxmlformats.org/drawingml/2006/main" xmlns:r="http://schemas.openxmlformats.org/officeDocument/2006/relationships" xmlns:mc="http://schemas.openxmlformats.org/markup-compatibility/2006" xmlns:mv="urn:schemas-microsoft-com:mac:vml" xmlns:p="http://schemas.openxmlformats.org/presentationml/2006/main" xmlns:c="http://schemas.openxmlformats.org/drawingml/2006/chart" xmlns:dgm="http://schemas.openxmlformats.org/drawingml/2006/diagram" xmlns:o="urn:schemas-microsoft-com:office:office" xmlns:v="urn:schemas-microsoft-com:vml" xmlns:pvml="urn:schemas-microsoft-com:office:powerpoint" xmlns:com="http://schemas.openxmlformats.org/drawingml/2006/compatibility" xmlns:p14="http://schemas.microsoft.com/office/powerpoint/2010/main" xmlns:p15="http://schemas.microsoft.com/office/powerpoint/2012/main" xmlns:ahyp="http://schemas.microsoft.com/office/drawing/2018/hyperlinkcolor">
+  <p:cSld>
+    <p:spTree>
+      <p:nvGrpSpPr>
+        <p:cNvPr id="116" name="Shape 116"/>
+        <p:cNvGrpSpPr/>
+        <p:nvPr/>
+      </p:nvGrpSpPr>
+      <p:grpSpPr>
+        <a:xfrm>
+          <a:off x="0" y="0"/>
+          <a:ext cx="0" cy="0"/>
+          <a:chOff x="0" y="0"/>
+          <a:chExt cx="0" cy="0"/>
+        </a:xfrm>
+      </p:grpSpPr>
+      <p:sp>
+        <p:nvSpPr>
+          <p:cNvPr id="117" name="Google Shape;117;p17"/>
+          <p:cNvSpPr/>
+          <p:nvPr/>
+        </p:nvSpPr>
+        <p:spPr>
+          <a:xfrm>
+            <a:off x="400025" y="1979850"/>
+            <a:ext cx="3762600" cy="1105800"/>
+          </a:xfrm>
+          <a:prstGeom prst="rect">
+            <a:avLst/>
+          </a:prstGeom>
+          <a:solidFill>
+            <a:schemeClr val="lt2"/>
+          </a:solidFill>
+          <a:ln cap="flat" cmpd="sng" w="9525">
+            <a:solidFill>
+              <a:schemeClr val="dk2"/>
+            </a:solidFill>
+            <a:prstDash val="solid"/>
+            <a:round/>
+            <a:headEnd len="sm" w="sm" type="none"/>
+            <a:tailEnd len="sm" w="sm" type="none"/>
+          </a:ln>
+        </p:spPr>
+        <p:txBody>
+          <a:bodyPr anchorCtr="0" anchor="ctr" bIns="91425" lIns="91425" spcFirstLastPara="1" rIns="91425" wrap="square" tIns="91425">
+            <a:noAutofit/>
+          </a:bodyPr>
+          <a:lstStyle/>
+          <a:p>
+            <a:pPr indent="0" lvl="0" marL="0" rtl="0" algn="l">
+              <a:spcBef>
+                <a:spcPts val="0"/>
+              </a:spcBef>
+              <a:spcAft>
+                <a:spcPts val="0"/>
+              </a:spcAft>
+              <a:buNone/>
+            </a:pPr>
+            <a:r>
+              <a:t/>
+            </a:r>
+            <a:endParaRPr/>
+          </a:p>
+        </p:txBody>
+      </p:sp>
+      <p:sp>
+        <p:nvSpPr>
+          <p:cNvPr id="118" name="Google Shape;118;p17"/>
+          <p:cNvSpPr txBox="1"/>
+          <p:nvPr>
+            <p:ph type="title"/>
+          </p:nvPr>
+        </p:nvSpPr>
+        <p:spPr>
+          <a:xfrm>
+            <a:off x="729450" y="1318650"/>
+            <a:ext cx="7688700" cy="535200"/>
+          </a:xfrm>
+          <a:prstGeom prst="rect">
+            <a:avLst/>
+          </a:prstGeom>
+        </p:spPr>
+        <p:txBody>
+          <a:bodyPr anchorCtr="0" anchor="t" bIns="91425" lIns="91425" spcFirstLastPara="1" rIns="91425" wrap="square" tIns="91425">
+            <a:noAutofit/>
+          </a:bodyPr>
+          <a:lstStyle/>
+          <a:p>
+            <a:pPr indent="0" lvl="0" marL="0" rtl="0" algn="l">
+              <a:spcBef>
+                <a:spcPts val="0"/>
+              </a:spcBef>
+              <a:spcAft>
+                <a:spcPts val="0"/>
+              </a:spcAft>
+              <a:buNone/>
+            </a:pPr>
+            <a:r>
+              <a:rPr lang="en"/>
+              <a:t>Feature Engineering - Book Features</a:t>
+            </a:r>
+            <a:endParaRPr/>
+          </a:p>
+        </p:txBody>
+      </p:sp>
+      <p:sp>
+        <p:nvSpPr>
+          <p:cNvPr id="119" name="Google Shape;119;p17"/>
+          <p:cNvSpPr txBox="1"/>
+          <p:nvPr>
+            <p:ph idx="1" type="body"/>
+          </p:nvPr>
+        </p:nvSpPr>
+        <p:spPr>
+          <a:xfrm>
+            <a:off x="399975" y="2078875"/>
+            <a:ext cx="3762600" cy="2261100"/>
+          </a:xfrm>
+          <a:prstGeom prst="rect">
+            <a:avLst/>
+          </a:prstGeom>
+        </p:spPr>
+        <p:txBody>
+          <a:bodyPr anchorCtr="0" anchor="t" bIns="91425" lIns="91425" spcFirstLastPara="1" rIns="91425" wrap="square" tIns="91425">
+            <a:noAutofit/>
+          </a:bodyPr>
+          <a:lstStyle/>
+          <a:p>
+            <a:pPr indent="-311150" lvl="0" marL="457200" rtl="0" algn="l">
+              <a:spcBef>
+                <a:spcPts val="0"/>
+              </a:spcBef>
+              <a:spcAft>
+                <a:spcPts val="0"/>
+              </a:spcAft>
+              <a:buSzPts val="1300"/>
+              <a:buAutoNum type="arabicParenR"/>
+            </a:pPr>
+            <a:r>
+              <a:rPr lang="en"/>
+              <a:t>Reader’s average rating by book “cluster”</a:t>
+            </a:r>
+            <a:endParaRPr/>
+          </a:p>
+          <a:p>
+            <a:pPr indent="-298450" lvl="1" marL="914400" rtl="0" algn="l">
+              <a:spcBef>
+                <a:spcPts val="0"/>
+              </a:spcBef>
+              <a:spcAft>
+                <a:spcPts val="0"/>
+              </a:spcAft>
+              <a:buSzPts val="1100"/>
+              <a:buChar char="○"/>
+            </a:pPr>
+            <a:r>
+              <a:rPr lang="en"/>
+              <a:t>K-Means Clustering on books</a:t>
+            </a:r>
+            <a:endParaRPr/>
+          </a:p>
+          <a:p>
+            <a:pPr indent="-298450" lvl="1" marL="914400" rtl="0" algn="l">
+              <a:spcBef>
+                <a:spcPts val="0"/>
+              </a:spcBef>
+              <a:spcAft>
+                <a:spcPts val="0"/>
+              </a:spcAft>
+              <a:buSzPts val="1100"/>
+              <a:buChar char="○"/>
+            </a:pPr>
+            <a:r>
+              <a:rPr lang="en"/>
+              <a:t>Groupby user &amp; cluster: mean rating</a:t>
+            </a:r>
+            <a:endParaRPr/>
+          </a:p>
+          <a:p>
+            <a:pPr indent="0" lvl="0" marL="457200" rtl="0" algn="l">
+              <a:spcBef>
+                <a:spcPts val="1600"/>
+              </a:spcBef>
+              <a:spcAft>
+                <a:spcPts val="1600"/>
+              </a:spcAft>
+              <a:buNone/>
+            </a:pPr>
+            <a:r>
+              <a:t/>
+            </a:r>
+            <a:endParaRPr/>
+          </a:p>
+        </p:txBody>
+      </p:sp>
+      <p:pic>
+        <p:nvPicPr>
+          <p:cNvPr id="120" name="Google Shape;120;p17"/>
+          <p:cNvPicPr preferRelativeResize="0"/>
+          <p:nvPr/>
+        </p:nvPicPr>
+        <p:blipFill>
+          <a:blip r:embed="rId3">
+            <a:alphaModFix/>
+          </a:blip>
+          <a:stretch>
+            <a:fillRect/>
+          </a:stretch>
+        </p:blipFill>
+        <p:spPr>
+          <a:xfrm>
+            <a:off x="1023325" y="3408050"/>
+            <a:ext cx="6540340" cy="1603325"/>
+          </a:xfrm>
+          <a:prstGeom prst="rect">
+            <a:avLst/>
+          </a:prstGeom>
+          <a:noFill/>
+          <a:ln>
+            <a:noFill/>
+          </a:ln>
+        </p:spPr>
+      </p:pic>
+      <p:sp>
+        <p:nvSpPr>
+          <p:cNvPr id="121" name="Google Shape;121;p17"/>
+          <p:cNvSpPr txBox="1"/>
+          <p:nvPr/>
+        </p:nvSpPr>
+        <p:spPr>
+          <a:xfrm>
+            <a:off x="4162575" y="1853850"/>
+            <a:ext cx="3401100" cy="3000000"/>
+          </a:xfrm>
+          <a:prstGeom prst="rect">
+            <a:avLst/>
+          </a:prstGeom>
+          <a:noFill/>
+          <a:ln>
+            <a:noFill/>
+          </a:ln>
+        </p:spPr>
+        <p:txBody>
+          <a:bodyPr anchorCtr="0" anchor="t" bIns="91425" lIns="91425" spcFirstLastPara="1" rIns="91425" wrap="square" tIns="91425">
+            <a:noAutofit/>
+          </a:bodyPr>
+          <a:lstStyle/>
+          <a:p>
+            <a:pPr indent="-311150" lvl="0" marL="457200" rtl="0" algn="l">
+              <a:lnSpc>
+                <a:spcPct val="115000"/>
+              </a:lnSpc>
+              <a:spcBef>
+                <a:spcPts val="0"/>
+              </a:spcBef>
+              <a:spcAft>
+                <a:spcPts val="0"/>
+              </a:spcAft>
+              <a:buClr>
+                <a:srgbClr val="FFFFFF"/>
+              </a:buClr>
+              <a:buSzPts val="1300"/>
+              <a:buFont typeface="Lato"/>
+              <a:buAutoNum type="arabicParenR"/>
+            </a:pPr>
+            <a:r>
+              <a:t/>
+            </a:r>
+            <a:endParaRPr sz="1300">
+              <a:solidFill>
+                <a:srgbClr val="FFFFFF"/>
+              </a:solidFill>
+              <a:latin typeface="Lato"/>
+              <a:ea typeface="Lato"/>
+              <a:cs typeface="Lato"/>
+              <a:sym typeface="Lato"/>
+            </a:endParaRPr>
+          </a:p>
+          <a:p>
+            <a:pPr indent="-311150" lvl="0" marL="457200" rtl="0" algn="l">
+              <a:lnSpc>
+                <a:spcPct val="115000"/>
+              </a:lnSpc>
+              <a:spcBef>
+                <a:spcPts val="0"/>
+              </a:spcBef>
+              <a:spcAft>
+                <a:spcPts val="0"/>
+              </a:spcAft>
+              <a:buClr>
+                <a:schemeClr val="accent1"/>
+              </a:buClr>
+              <a:buSzPts val="1300"/>
+              <a:buFont typeface="Lato"/>
+              <a:buAutoNum type="arabicParenR"/>
+            </a:pPr>
+            <a:r>
+              <a:rPr lang="en" sz="1300">
+                <a:solidFill>
+                  <a:schemeClr val="accent1"/>
+                </a:solidFill>
+                <a:latin typeface="Lato"/>
+                <a:ea typeface="Lato"/>
+                <a:cs typeface="Lato"/>
+                <a:sym typeface="Lato"/>
+              </a:rPr>
+              <a:t>Average rating of similar books</a:t>
+            </a:r>
+            <a:endParaRPr sz="1300">
+              <a:solidFill>
+                <a:schemeClr val="accent1"/>
+              </a:solidFill>
+              <a:latin typeface="Lato"/>
+              <a:ea typeface="Lato"/>
+              <a:cs typeface="Lato"/>
+              <a:sym typeface="Lato"/>
+            </a:endParaRPr>
+          </a:p>
+          <a:p>
+            <a:pPr indent="-298450" lvl="1" marL="914400" rtl="0" algn="l">
+              <a:lnSpc>
+                <a:spcPct val="115000"/>
+              </a:lnSpc>
+              <a:spcBef>
+                <a:spcPts val="0"/>
+              </a:spcBef>
+              <a:spcAft>
+                <a:spcPts val="0"/>
+              </a:spcAft>
+              <a:buClr>
+                <a:schemeClr val="accent1"/>
+              </a:buClr>
+              <a:buSzPts val="1100"/>
+              <a:buFont typeface="Lato"/>
+              <a:buChar char="○"/>
+            </a:pPr>
+            <a:r>
+              <a:rPr lang="en" sz="1100">
+                <a:solidFill>
+                  <a:schemeClr val="accent1"/>
+                </a:solidFill>
+                <a:latin typeface="Lato"/>
+                <a:ea typeface="Lato"/>
+                <a:cs typeface="Lato"/>
+                <a:sym typeface="Lato"/>
+              </a:rPr>
+              <a:t>Cosine similarity rankings of all books</a:t>
+            </a:r>
+            <a:endParaRPr sz="1100">
+              <a:solidFill>
+                <a:schemeClr val="accent1"/>
+              </a:solidFill>
+              <a:latin typeface="Lato"/>
+              <a:ea typeface="Lato"/>
+              <a:cs typeface="Lato"/>
+              <a:sym typeface="Lato"/>
+            </a:endParaRPr>
+          </a:p>
+          <a:p>
+            <a:pPr indent="-298450" lvl="1" marL="914400" rtl="0" algn="l">
+              <a:lnSpc>
+                <a:spcPct val="115000"/>
+              </a:lnSpc>
+              <a:spcBef>
+                <a:spcPts val="0"/>
+              </a:spcBef>
+              <a:spcAft>
+                <a:spcPts val="0"/>
+              </a:spcAft>
+              <a:buClr>
+                <a:schemeClr val="accent1"/>
+              </a:buClr>
+              <a:buSzPts val="1100"/>
+              <a:buFont typeface="Lato"/>
+              <a:buChar char="○"/>
+            </a:pPr>
+            <a:r>
+              <a:rPr lang="en" sz="1100">
+                <a:solidFill>
+                  <a:schemeClr val="accent1"/>
+                </a:solidFill>
+                <a:latin typeface="Lato"/>
+                <a:ea typeface="Lato"/>
+                <a:cs typeface="Lato"/>
+                <a:sym typeface="Lato"/>
+              </a:rPr>
+              <a:t>Rank top 3 most similar by each book</a:t>
+            </a:r>
+            <a:endParaRPr sz="1100">
+              <a:solidFill>
+                <a:schemeClr val="accent1"/>
+              </a:solidFill>
+              <a:latin typeface="Lato"/>
+              <a:ea typeface="Lato"/>
+              <a:cs typeface="Lato"/>
+              <a:sym typeface="Lato"/>
+            </a:endParaRPr>
+          </a:p>
+          <a:p>
+            <a:pPr indent="0" lvl="0" marL="914400" rtl="0" algn="l">
+              <a:lnSpc>
+                <a:spcPct val="115000"/>
+              </a:lnSpc>
+              <a:spcBef>
+                <a:spcPts val="1600"/>
+              </a:spcBef>
+              <a:spcAft>
+                <a:spcPts val="1600"/>
+              </a:spcAft>
+              <a:buNone/>
+            </a:pPr>
+            <a:r>
+              <a:t/>
+            </a:r>
+            <a:endParaRPr/>
+          </a:p>
+        </p:txBody>
+      </p:sp>
+    </p:spTree>
+  </p:cSld>
+  <p:clrMapOvr>
+    <a:masterClrMapping/>
+  </p:clrMapOvr>
+</p:sld>
+</file>
+
+<file path=ppt/slides/slide6.xml><?xml version="1.0" encoding="utf-8"?>
+<p:sld xmlns:a="http://schemas.openxmlformats.org/drawingml/2006/main" xmlns:r="http://schemas.openxmlformats.org/officeDocument/2006/relationships" xmlns:mc="http://schemas.openxmlformats.org/markup-compatibility/2006" xmlns:mv="urn:schemas-microsoft-com:mac:vml" xmlns:p="http://schemas.openxmlformats.org/presentationml/2006/main" xmlns:c="http://schemas.openxmlformats.org/drawingml/2006/chart" xmlns:dgm="http://schemas.openxmlformats.org/drawingml/2006/diagram" xmlns:o="urn:schemas-microsoft-com:office:office" xmlns:v="urn:schemas-microsoft-com:vml" xmlns:pvml="urn:schemas-microsoft-com:office:powerpoint" xmlns:com="http://schemas.openxmlformats.org/drawingml/2006/compatibility" xmlns:p14="http://schemas.microsoft.com/office/powerpoint/2010/main" xmlns:p15="http://schemas.microsoft.com/office/powerpoint/2012/main" xmlns:ahyp="http://schemas.microsoft.com/office/drawing/2018/hyperlinkcolor">
+  <p:cSld>
+    <p:spTree>
+      <p:nvGrpSpPr>
+        <p:cNvPr id="125" name="Shape 125"/>
+        <p:cNvGrpSpPr/>
+        <p:nvPr/>
+      </p:nvGrpSpPr>
+      <p:grpSpPr>
+        <a:xfrm>
+          <a:off x="0" y="0"/>
+          <a:ext cx="0" cy="0"/>
+          <a:chOff x="0" y="0"/>
+          <a:chExt cx="0" cy="0"/>
+        </a:xfrm>
+      </p:grpSpPr>
+      <p:sp>
+        <p:nvSpPr>
+          <p:cNvPr id="126" name="Google Shape;126;p18"/>
+          <p:cNvSpPr txBox="1"/>
+          <p:nvPr>
+            <p:ph type="title"/>
+          </p:nvPr>
+        </p:nvSpPr>
+        <p:spPr>
+          <a:xfrm>
+            <a:off x="729450" y="1318650"/>
+            <a:ext cx="7688700" cy="535200"/>
+          </a:xfrm>
+          <a:prstGeom prst="rect">
+            <a:avLst/>
+          </a:prstGeom>
+        </p:spPr>
+        <p:txBody>
+          <a:bodyPr anchorCtr="0" anchor="t" bIns="91425" lIns="91425" spcFirstLastPara="1" rIns="91425" wrap="square" tIns="91425">
+            <a:noAutofit/>
+          </a:bodyPr>
+          <a:lstStyle/>
+          <a:p>
+            <a:pPr indent="0" lvl="0" marL="0" rtl="0" algn="l">
+              <a:spcBef>
+                <a:spcPts val="0"/>
+              </a:spcBef>
+              <a:spcAft>
+                <a:spcPts val="0"/>
+              </a:spcAft>
+              <a:buNone/>
+            </a:pPr>
+            <a:r>
+              <a:rPr lang="en"/>
+              <a:t>Feature Engineering - Review Features</a:t>
+            </a:r>
+            <a:endParaRPr/>
+          </a:p>
+        </p:txBody>
+      </p:sp>
+      <p:sp>
+        <p:nvSpPr>
+          <p:cNvPr id="127" name="Google Shape;127;p18"/>
+          <p:cNvSpPr txBox="1"/>
+          <p:nvPr>
+            <p:ph idx="1" type="body"/>
+          </p:nvPr>
+        </p:nvSpPr>
+        <p:spPr>
+          <a:xfrm>
+            <a:off x="729450" y="2078875"/>
+            <a:ext cx="3278100" cy="1022700"/>
+          </a:xfrm>
+          <a:prstGeom prst="rect">
+            <a:avLst/>
+          </a:prstGeom>
+        </p:spPr>
+        <p:txBody>
+          <a:bodyPr anchorCtr="0" anchor="t" bIns="91425" lIns="91425" spcFirstLastPara="1" rIns="91425" wrap="square" tIns="91425">
+            <a:noAutofit/>
+          </a:bodyPr>
+          <a:lstStyle/>
+          <a:p>
+            <a:pPr indent="-311150" lvl="0" marL="457200" rtl="0" algn="l">
+              <a:spcBef>
+                <a:spcPts val="0"/>
+              </a:spcBef>
+              <a:spcAft>
+                <a:spcPts val="0"/>
+              </a:spcAft>
+              <a:buSzPts val="1300"/>
+              <a:buAutoNum type="arabicPeriod"/>
+            </a:pPr>
+            <a:r>
+              <a:rPr lang="en"/>
+              <a:t>Sentiment Rating for each review</a:t>
+            </a:r>
+            <a:endParaRPr/>
+          </a:p>
+          <a:p>
+            <a:pPr indent="-298450" lvl="1" marL="914400" rtl="0" algn="l">
+              <a:spcBef>
+                <a:spcPts val="0"/>
+              </a:spcBef>
+              <a:spcAft>
+                <a:spcPts val="0"/>
+              </a:spcAft>
+              <a:buSzPts val="1100"/>
+              <a:buAutoNum type="alphaLcPeriod"/>
+            </a:pPr>
+            <a:r>
+              <a:rPr lang="en"/>
+              <a:t>Natural Language Processing (NLP)</a:t>
+            </a:r>
+            <a:endParaRPr/>
+          </a:p>
+          <a:p>
+            <a:pPr indent="-298450" lvl="1" marL="914400" rtl="0" algn="l">
+              <a:spcBef>
+                <a:spcPts val="0"/>
+              </a:spcBef>
+              <a:spcAft>
+                <a:spcPts val="0"/>
+              </a:spcAft>
+              <a:buSzPts val="1100"/>
+              <a:buAutoNum type="alphaLcPeriod"/>
+            </a:pPr>
+            <a:r>
+              <a:rPr lang="en"/>
+              <a:t>nltk Python package</a:t>
+            </a:r>
+            <a:endParaRPr/>
+          </a:p>
+          <a:p>
+            <a:pPr indent="-298450" lvl="2" marL="1371600" rtl="0" algn="l">
+              <a:spcBef>
+                <a:spcPts val="0"/>
+              </a:spcBef>
+              <a:spcAft>
+                <a:spcPts val="0"/>
+              </a:spcAft>
+              <a:buSzPts val="1100"/>
+              <a:buAutoNum type="romanLcPeriod"/>
+            </a:pPr>
+            <a:r>
+              <a:rPr lang="en"/>
+              <a:t>SentimentIntensityAnalyzer</a:t>
+            </a:r>
+            <a:endParaRPr/>
+          </a:p>
+          <a:p>
+            <a:pPr indent="0" lvl="0" marL="0" rtl="0" algn="l">
+              <a:spcBef>
+                <a:spcPts val="1600"/>
+              </a:spcBef>
+              <a:spcAft>
+                <a:spcPts val="1600"/>
+              </a:spcAft>
+              <a:buNone/>
+            </a:pPr>
+            <a:r>
+              <a:t/>
+            </a:r>
+            <a:endParaRPr/>
+          </a:p>
+        </p:txBody>
+      </p:sp>
+      <p:sp>
+        <p:nvSpPr>
+          <p:cNvPr id="128" name="Google Shape;128;p18"/>
+          <p:cNvSpPr/>
+          <p:nvPr/>
+        </p:nvSpPr>
+        <p:spPr>
+          <a:xfrm>
+            <a:off x="4457675" y="1938625"/>
+            <a:ext cx="3762600" cy="1105800"/>
+          </a:xfrm>
+          <a:prstGeom prst="rect">
+            <a:avLst/>
+          </a:prstGeom>
+          <a:solidFill>
+            <a:srgbClr val="EFEFEF"/>
+          </a:solidFill>
+          <a:ln cap="flat" cmpd="sng" w="9525">
+            <a:solidFill>
+              <a:schemeClr val="dk2"/>
+            </a:solidFill>
+            <a:prstDash val="solid"/>
+            <a:round/>
+            <a:headEnd len="sm" w="sm" type="none"/>
+            <a:tailEnd len="sm" w="sm" type="none"/>
+          </a:ln>
+        </p:spPr>
+        <p:txBody>
+          <a:bodyPr anchorCtr="0" anchor="ctr" bIns="91425" lIns="91425" spcFirstLastPara="1" rIns="91425" wrap="square" tIns="91425">
+            <a:noAutofit/>
+          </a:bodyPr>
+          <a:lstStyle/>
+          <a:p>
+            <a:pPr indent="0" lvl="0" marL="457200" rtl="0" algn="l">
+              <a:lnSpc>
+                <a:spcPct val="115000"/>
+              </a:lnSpc>
+              <a:spcBef>
+                <a:spcPts val="0"/>
+              </a:spcBef>
+              <a:spcAft>
+                <a:spcPts val="0"/>
+              </a:spcAft>
+              <a:buNone/>
+            </a:pPr>
+            <a:r>
+              <a:t/>
+            </a:r>
+            <a:endParaRPr sz="1300">
+              <a:solidFill>
+                <a:schemeClr val="accent1"/>
+              </a:solidFill>
+              <a:latin typeface="Lato"/>
+              <a:ea typeface="Lato"/>
+              <a:cs typeface="Lato"/>
+              <a:sym typeface="Lato"/>
+            </a:endParaRPr>
+          </a:p>
+          <a:p>
+            <a:pPr indent="-234950" lvl="0" marL="457200" rtl="0" algn="l">
+              <a:lnSpc>
+                <a:spcPct val="115000"/>
+              </a:lnSpc>
+              <a:spcBef>
+                <a:spcPts val="1600"/>
+              </a:spcBef>
+              <a:spcAft>
+                <a:spcPts val="0"/>
+              </a:spcAft>
+              <a:buClr>
+                <a:srgbClr val="EFEFEF"/>
+              </a:buClr>
+              <a:buSzPts val="100"/>
+              <a:buFont typeface="Lato"/>
+              <a:buAutoNum type="arabicPeriod"/>
+            </a:pPr>
+            <a:r>
+              <a:t/>
+            </a:r>
+            <a:endParaRPr sz="100">
+              <a:solidFill>
+                <a:srgbClr val="EFEFEF"/>
+              </a:solidFill>
+              <a:latin typeface="Lato"/>
+              <a:ea typeface="Lato"/>
+              <a:cs typeface="Lato"/>
+              <a:sym typeface="Lato"/>
+            </a:endParaRPr>
+          </a:p>
+          <a:p>
+            <a:pPr indent="-311150" lvl="0" marL="457200" rtl="0" algn="l">
+              <a:lnSpc>
+                <a:spcPct val="115000"/>
+              </a:lnSpc>
+              <a:spcBef>
+                <a:spcPts val="0"/>
+              </a:spcBef>
+              <a:spcAft>
+                <a:spcPts val="0"/>
+              </a:spcAft>
+              <a:buClr>
+                <a:schemeClr val="accent1"/>
+              </a:buClr>
+              <a:buSzPts val="1300"/>
+              <a:buFont typeface="Lato"/>
+              <a:buAutoNum type="arabicPeriod"/>
+            </a:pPr>
+            <a:r>
+              <a:rPr lang="en" sz="1300">
+                <a:solidFill>
+                  <a:schemeClr val="accent1"/>
+                </a:solidFill>
+                <a:latin typeface="Lato"/>
+                <a:ea typeface="Lato"/>
+                <a:cs typeface="Lato"/>
+                <a:sym typeface="Lato"/>
+              </a:rPr>
+              <a:t>Average rating by book cluster</a:t>
+            </a:r>
+            <a:endParaRPr sz="1300">
+              <a:solidFill>
+                <a:schemeClr val="accent1"/>
+              </a:solidFill>
+              <a:latin typeface="Lato"/>
+              <a:ea typeface="Lato"/>
+              <a:cs typeface="Lato"/>
+              <a:sym typeface="Lato"/>
+            </a:endParaRPr>
+          </a:p>
+          <a:p>
+            <a:pPr indent="-298450" lvl="1" marL="914400" rtl="0" algn="l">
+              <a:lnSpc>
+                <a:spcPct val="115000"/>
+              </a:lnSpc>
+              <a:spcBef>
+                <a:spcPts val="0"/>
+              </a:spcBef>
+              <a:spcAft>
+                <a:spcPts val="0"/>
+              </a:spcAft>
+              <a:buClr>
+                <a:schemeClr val="accent1"/>
+              </a:buClr>
+              <a:buSzPts val="1100"/>
+              <a:buFont typeface="Lato"/>
+              <a:buAutoNum type="alphaLcPeriod"/>
+            </a:pPr>
+            <a:r>
+              <a:rPr lang="en" sz="1100">
+                <a:solidFill>
+                  <a:schemeClr val="accent1"/>
+                </a:solidFill>
+                <a:latin typeface="Lato"/>
+                <a:ea typeface="Lato"/>
+                <a:cs typeface="Lato"/>
+                <a:sym typeface="Lato"/>
+              </a:rPr>
+              <a:t>Books clusters from last step</a:t>
+            </a:r>
+            <a:endParaRPr sz="1100">
+              <a:solidFill>
+                <a:schemeClr val="accent1"/>
+              </a:solidFill>
+              <a:latin typeface="Lato"/>
+              <a:ea typeface="Lato"/>
+              <a:cs typeface="Lato"/>
+              <a:sym typeface="Lato"/>
+            </a:endParaRPr>
+          </a:p>
+          <a:p>
+            <a:pPr indent="-298450" lvl="1" marL="914400" rtl="0" algn="l">
+              <a:lnSpc>
+                <a:spcPct val="115000"/>
+              </a:lnSpc>
+              <a:spcBef>
+                <a:spcPts val="0"/>
+              </a:spcBef>
+              <a:spcAft>
+                <a:spcPts val="0"/>
+              </a:spcAft>
+              <a:buClr>
+                <a:schemeClr val="accent1"/>
+              </a:buClr>
+              <a:buSzPts val="1100"/>
+              <a:buFont typeface="Lato"/>
+              <a:buAutoNum type="alphaLcPeriod"/>
+            </a:pPr>
+            <a:r>
+              <a:rPr lang="en" sz="1100">
+                <a:solidFill>
+                  <a:schemeClr val="accent1"/>
+                </a:solidFill>
+                <a:latin typeface="Lato"/>
+                <a:ea typeface="Lato"/>
+                <a:cs typeface="Lato"/>
+                <a:sym typeface="Lato"/>
+              </a:rPr>
+              <a:t>Groupby reader and book cluster</a:t>
+            </a:r>
+            <a:endParaRPr sz="1100">
+              <a:solidFill>
+                <a:schemeClr val="accent1"/>
+              </a:solidFill>
+              <a:latin typeface="Lato"/>
+              <a:ea typeface="Lato"/>
+              <a:cs typeface="Lato"/>
+              <a:sym typeface="Lato"/>
+            </a:endParaRPr>
+          </a:p>
+          <a:p>
+            <a:pPr indent="-298450" lvl="1" marL="914400" rtl="0" algn="l">
+              <a:lnSpc>
+                <a:spcPct val="115000"/>
+              </a:lnSpc>
+              <a:spcBef>
+                <a:spcPts val="0"/>
+              </a:spcBef>
+              <a:spcAft>
+                <a:spcPts val="0"/>
+              </a:spcAft>
+              <a:buClr>
+                <a:schemeClr val="accent1"/>
+              </a:buClr>
+              <a:buSzPts val="1100"/>
+              <a:buFont typeface="Lato"/>
+              <a:buAutoNum type="alphaLcPeriod"/>
+            </a:pPr>
+            <a:r>
+              <a:rPr lang="en" sz="1100">
+                <a:solidFill>
+                  <a:schemeClr val="accent1"/>
+                </a:solidFill>
+                <a:latin typeface="Lato"/>
+                <a:ea typeface="Lato"/>
+                <a:cs typeface="Lato"/>
+                <a:sym typeface="Lato"/>
+              </a:rPr>
+              <a:t>Assign mean rating by cluster</a:t>
+            </a:r>
+            <a:endParaRPr sz="1100">
+              <a:solidFill>
+                <a:schemeClr val="accent1"/>
+              </a:solidFill>
+              <a:latin typeface="Lato"/>
+              <a:ea typeface="Lato"/>
+              <a:cs typeface="Lato"/>
+              <a:sym typeface="Lato"/>
+            </a:endParaRPr>
+          </a:p>
+        </p:txBody>
+      </p:sp>
+      <p:pic>
+        <p:nvPicPr>
+          <p:cNvPr id="129" name="Google Shape;129;p18"/>
+          <p:cNvPicPr preferRelativeResize="0"/>
+          <p:nvPr/>
+        </p:nvPicPr>
+        <p:blipFill rotWithShape="1">
+          <a:blip r:embed="rId3">
+            <a:alphaModFix/>
+          </a:blip>
+          <a:srcRect b="8789" l="8712" r="8786" t="4277"/>
+          <a:stretch/>
+        </p:blipFill>
+        <p:spPr>
+          <a:xfrm>
+            <a:off x="729450" y="3673075"/>
+            <a:ext cx="1429400" cy="1162025"/>
+          </a:xfrm>
+          <a:prstGeom prst="rect">
+            <a:avLst/>
+          </a:prstGeom>
+          <a:noFill/>
+          <a:ln>
+            <a:noFill/>
+          </a:ln>
+        </p:spPr>
+      </p:pic>
+      <p:pic>
+        <p:nvPicPr>
+          <p:cNvPr id="130" name="Google Shape;130;p18"/>
+          <p:cNvPicPr preferRelativeResize="0"/>
+          <p:nvPr/>
+        </p:nvPicPr>
+        <p:blipFill>
+          <a:blip r:embed="rId4">
+            <a:alphaModFix/>
+          </a:blip>
+          <a:stretch>
+            <a:fillRect/>
+          </a:stretch>
+        </p:blipFill>
+        <p:spPr>
+          <a:xfrm flipH="1">
+            <a:off x="2158850" y="3044425"/>
+            <a:ext cx="1148129" cy="1022700"/>
+          </a:xfrm>
+          <a:prstGeom prst="rect">
+            <a:avLst/>
+          </a:prstGeom>
+          <a:noFill/>
+          <a:ln>
+            <a:noFill/>
+          </a:ln>
+        </p:spPr>
+      </p:pic>
+      <p:sp>
+        <p:nvSpPr>
+          <p:cNvPr id="131" name="Google Shape;131;p18"/>
+          <p:cNvSpPr txBox="1"/>
+          <p:nvPr/>
+        </p:nvSpPr>
+        <p:spPr>
+          <a:xfrm>
+            <a:off x="2328063" y="3206325"/>
+            <a:ext cx="809700" cy="409500"/>
+          </a:xfrm>
+          <a:prstGeom prst="rect">
+            <a:avLst/>
+          </a:prstGeom>
+          <a:noFill/>
+          <a:ln>
+            <a:noFill/>
+          </a:ln>
+        </p:spPr>
+        <p:txBody>
+          <a:bodyPr anchorCtr="0" anchor="t" bIns="91425" lIns="91425" spcFirstLastPara="1" rIns="91425" wrap="square" tIns="91425">
+            <a:noAutofit/>
+          </a:bodyPr>
+          <a:lstStyle/>
+          <a:p>
+            <a:pPr indent="0" lvl="0" marL="0" rtl="0" algn="ctr">
+              <a:spcBef>
+                <a:spcPts val="0"/>
+              </a:spcBef>
+              <a:spcAft>
+                <a:spcPts val="0"/>
+              </a:spcAft>
+              <a:buNone/>
+            </a:pPr>
+            <a:r>
+              <a:rPr lang="en" sz="1000">
+                <a:latin typeface="Lato"/>
+                <a:ea typeface="Lato"/>
+                <a:cs typeface="Lato"/>
+                <a:sym typeface="Lato"/>
+              </a:rPr>
+              <a:t>Review Text</a:t>
+            </a:r>
+            <a:endParaRPr sz="1000">
+              <a:latin typeface="Lato"/>
+              <a:ea typeface="Lato"/>
+              <a:cs typeface="Lato"/>
+              <a:sym typeface="Lato"/>
+            </a:endParaRPr>
+          </a:p>
+        </p:txBody>
+      </p:sp>
+      <p:sp>
+        <p:nvSpPr>
+          <p:cNvPr id="132" name="Google Shape;132;p18"/>
+          <p:cNvSpPr/>
+          <p:nvPr/>
+        </p:nvSpPr>
+        <p:spPr>
+          <a:xfrm>
+            <a:off x="3435200" y="3206325"/>
+            <a:ext cx="876300" cy="472800"/>
+          </a:xfrm>
+          <a:prstGeom prst="ellipse">
+            <a:avLst/>
+          </a:prstGeom>
+          <a:solidFill>
+            <a:srgbClr val="B6D7A8"/>
+          </a:solidFill>
+          <a:ln cap="flat" cmpd="sng" w="9525">
+            <a:solidFill>
+              <a:schemeClr val="dk2"/>
+            </a:solidFill>
+            <a:prstDash val="solid"/>
+            <a:round/>
+            <a:headEnd len="sm" w="sm" type="none"/>
+            <a:tailEnd len="sm" w="sm" type="none"/>
+          </a:ln>
+        </p:spPr>
+        <p:txBody>
+          <a:bodyPr anchorCtr="0" anchor="ctr" bIns="91425" lIns="91425" spcFirstLastPara="1" rIns="91425" wrap="square" tIns="91425">
+            <a:noAutofit/>
+          </a:bodyPr>
+          <a:lstStyle/>
+          <a:p>
+            <a:pPr indent="0" lvl="0" marL="0" rtl="0" algn="l">
+              <a:spcBef>
+                <a:spcPts val="0"/>
+              </a:spcBef>
+              <a:spcAft>
+                <a:spcPts val="0"/>
+              </a:spcAft>
+              <a:buNone/>
+            </a:pPr>
+            <a:r>
+              <a:rPr lang="en" sz="900"/>
+              <a:t>Positive</a:t>
+            </a:r>
+            <a:endParaRPr sz="800"/>
+          </a:p>
+        </p:txBody>
+      </p:sp>
+      <p:sp>
+        <p:nvSpPr>
+          <p:cNvPr id="133" name="Google Shape;133;p18"/>
+          <p:cNvSpPr/>
+          <p:nvPr/>
+        </p:nvSpPr>
+        <p:spPr>
+          <a:xfrm>
+            <a:off x="2968475" y="3920700"/>
+            <a:ext cx="876300" cy="472800"/>
+          </a:xfrm>
+          <a:prstGeom prst="ellipse">
+            <a:avLst/>
+          </a:prstGeom>
+          <a:solidFill>
+            <a:srgbClr val="F3F3F3"/>
+          </a:solidFill>
+          <a:ln cap="flat" cmpd="sng" w="9525">
+            <a:solidFill>
+              <a:schemeClr val="dk2"/>
+            </a:solidFill>
+            <a:prstDash val="solid"/>
+            <a:round/>
+            <a:headEnd len="sm" w="sm" type="none"/>
+            <a:tailEnd len="sm" w="sm" type="none"/>
+          </a:ln>
+        </p:spPr>
+        <p:txBody>
+          <a:bodyPr anchorCtr="0" anchor="ctr" bIns="91425" lIns="91425" spcFirstLastPara="1" rIns="91425" wrap="square" tIns="91425">
+            <a:noAutofit/>
+          </a:bodyPr>
+          <a:lstStyle/>
+          <a:p>
+            <a:pPr indent="0" lvl="0" marL="0" rtl="0" algn="l">
+              <a:spcBef>
+                <a:spcPts val="0"/>
+              </a:spcBef>
+              <a:spcAft>
+                <a:spcPts val="0"/>
+              </a:spcAft>
+              <a:buNone/>
+            </a:pPr>
+            <a:r>
+              <a:rPr lang="en" sz="900"/>
+              <a:t>Neutral</a:t>
+            </a:r>
+            <a:endParaRPr sz="800"/>
+          </a:p>
+        </p:txBody>
+      </p:sp>
+      <p:sp>
+        <p:nvSpPr>
+          <p:cNvPr id="134" name="Google Shape;134;p18"/>
+          <p:cNvSpPr/>
+          <p:nvPr/>
+        </p:nvSpPr>
+        <p:spPr>
+          <a:xfrm>
+            <a:off x="2044475" y="4209900"/>
+            <a:ext cx="924000" cy="472800"/>
+          </a:xfrm>
+          <a:prstGeom prst="ellipse">
+            <a:avLst/>
+          </a:prstGeom>
+          <a:solidFill>
+            <a:srgbClr val="EA9999"/>
+          </a:solidFill>
+          <a:ln cap="flat" cmpd="sng" w="9525">
+            <a:solidFill>
+              <a:schemeClr val="dk2"/>
+            </a:solidFill>
+            <a:prstDash val="solid"/>
+            <a:round/>
+            <a:headEnd len="sm" w="sm" type="none"/>
+            <a:tailEnd len="sm" w="sm" type="none"/>
+          </a:ln>
+        </p:spPr>
+        <p:txBody>
+          <a:bodyPr anchorCtr="0" anchor="ctr" bIns="91425" lIns="91425" spcFirstLastPara="1" rIns="91425" wrap="square" tIns="91425">
+            <a:noAutofit/>
+          </a:bodyPr>
+          <a:lstStyle/>
+          <a:p>
+            <a:pPr indent="0" lvl="0" marL="0" rtl="0" algn="l">
+              <a:spcBef>
+                <a:spcPts val="0"/>
+              </a:spcBef>
+              <a:spcAft>
+                <a:spcPts val="0"/>
+              </a:spcAft>
+              <a:buNone/>
+            </a:pPr>
+            <a:r>
+              <a:rPr lang="en" sz="900"/>
+              <a:t>Negative</a:t>
+            </a:r>
+            <a:endParaRPr sz="800"/>
+          </a:p>
+        </p:txBody>
+      </p:sp>
+    </p:spTree>
+  </p:cSld>
+  <p:clrMapOvr>
+    <a:masterClrMapping/>
+  </p:clrMapOvr>
+</p:sld>
+</file>
+
+<file path=ppt/slides/slide7.xml><?xml version="1.0" encoding="utf-8"?>
+<p:sld xmlns:a="http://schemas.openxmlformats.org/drawingml/2006/main" xmlns:r="http://schemas.openxmlformats.org/officeDocument/2006/relationships" xmlns:mc="http://schemas.openxmlformats.org/markup-compatibility/2006" xmlns:mv="urn:schemas-microsoft-com:mac:vml" xmlns:p="http://schemas.openxmlformats.org/presentationml/2006/main" xmlns:c="http://schemas.openxmlformats.org/drawingml/2006/chart" xmlns:dgm="http://schemas.openxmlformats.org/drawingml/2006/diagram" xmlns:o="urn:schemas-microsoft-com:office:office" xmlns:v="urn:schemas-microsoft-com:vml" xmlns:pvml="urn:schemas-microsoft-com:office:powerpoint" xmlns:com="http://schemas.openxmlformats.org/drawingml/2006/compatibility" xmlns:p14="http://schemas.microsoft.com/office/powerpoint/2010/main" xmlns:p15="http://schemas.microsoft.com/office/powerpoint/2012/main" xmlns:ahyp="http://schemas.microsoft.com/office/drawing/2018/hyperlinkcolor">
+  <p:cSld>
+    <p:spTree>
+      <p:nvGrpSpPr>
+        <p:cNvPr id="138" name="Shape 138"/>
+        <p:cNvGrpSpPr/>
+        <p:nvPr/>
+      </p:nvGrpSpPr>
+      <p:grpSpPr>
+        <a:xfrm>
+          <a:off x="0" y="0"/>
+          <a:ext cx="0" cy="0"/>
+          <a:chOff x="0" y="0"/>
+          <a:chExt cx="0" cy="0"/>
+        </a:xfrm>
+      </p:grpSpPr>
+      <p:sp>
+        <p:nvSpPr>
+          <p:cNvPr id="139" name="Google Shape;139;p19"/>
+          <p:cNvSpPr txBox="1"/>
+          <p:nvPr>
+            <p:ph type="title"/>
+          </p:nvPr>
+        </p:nvSpPr>
+        <p:spPr>
+          <a:xfrm>
+            <a:off x="729450" y="1318650"/>
+            <a:ext cx="7688700" cy="535200"/>
+          </a:xfrm>
+          <a:prstGeom prst="rect">
+            <a:avLst/>
+          </a:prstGeom>
+        </p:spPr>
+        <p:txBody>
+          <a:bodyPr anchorCtr="0" anchor="t" bIns="91425" lIns="91425" spcFirstLastPara="1" rIns="91425" wrap="square" tIns="91425">
+            <a:noAutofit/>
+          </a:bodyPr>
+          <a:lstStyle/>
+          <a:p>
+            <a:pPr indent="0" lvl="0" marL="0" rtl="0" algn="l">
+              <a:spcBef>
+                <a:spcPts val="0"/>
+              </a:spcBef>
+              <a:spcAft>
+                <a:spcPts val="0"/>
+              </a:spcAft>
+              <a:buNone/>
+            </a:pPr>
+            <a:r>
+              <a:rPr lang="en"/>
               <a:t>Target Feature</a:t>
             </a:r>
             <a:endParaRPr/>
@@ -9272,7 +10790,7 @@
       </p:sp>
       <p:sp>
         <p:nvSpPr>
-          <p:cNvPr id="109" name="Google Shape;109;p16"/>
+          <p:cNvPr id="140" name="Google Shape;140;p19"/>
           <p:cNvSpPr txBox="1"/>
           <p:nvPr>
             <p:ph idx="1" type="body"/>
@@ -9312,7 +10830,7 @@
       </p:sp>
       <p:pic>
         <p:nvPicPr>
-          <p:cNvPr id="110" name="Google Shape;110;p16"/>
+          <p:cNvPr id="141" name="Google Shape;141;p19"/>
           <p:cNvPicPr preferRelativeResize="0"/>
           <p:nvPr/>
         </p:nvPicPr>
@@ -9326,8 +10844,8 @@
         </p:blipFill>
         <p:spPr>
           <a:xfrm>
-            <a:off x="129375" y="2266650"/>
-            <a:ext cx="4372125" cy="2914750"/>
+            <a:off x="729450" y="2266650"/>
+            <a:ext cx="3715200" cy="2476800"/>
           </a:xfrm>
           <a:prstGeom prst="rect">
             <a:avLst/>
@@ -9340,7 +10858,7 @@
       </p:pic>
       <p:graphicFrame>
         <p:nvGraphicFramePr>
-          <p:cNvPr id="111" name="Google Shape;111;p16"/>
+          <p:cNvPr id="142" name="Google Shape;142;p19"/>
           <p:cNvGraphicFramePr/>
           <p:nvPr/>
         </p:nvGraphicFramePr>
@@ -9353,13 +10871,13 @@
             <a:tbl>
               <a:tblPr>
                 <a:noFill/>
-                <a:tableStyleId>{5C16076B-AC12-4994-ADA8-213AC36EA6AF}</a:tableStyleId>
+                <a:tableStyleId>{18F9190F-43B8-407D-98B3-6411B9592217}</a:tableStyleId>
               </a:tblPr>
               <a:tblGrid>
-                <a:gridCol w="2136425"/>
-                <a:gridCol w="2126125"/>
+                <a:gridCol w="1742650"/>
+                <a:gridCol w="1734250"/>
               </a:tblGrid>
-              <a:tr h="375125">
+              <a:tr h="334550">
                 <a:tc>
                   <a:txBody>
                     <a:bodyPr/>
@@ -9407,7 +10925,7 @@
                   <a:tcPr marT="63500" marB="63500" marR="63500" marL="63500"/>
                 </a:tc>
               </a:tr>
-              <a:tr h="375125">
+              <a:tr h="334550">
                 <a:tc>
                   <a:txBody>
                     <a:bodyPr/>
@@ -9455,7 +10973,7 @@
                   <a:tcPr marT="63500" marB="63500" marR="63500" marL="63500"/>
                 </a:tc>
               </a:tr>
-              <a:tr h="375125">
+              <a:tr h="334550">
                 <a:tc>
                   <a:txBody>
                     <a:bodyPr/>
@@ -9503,7 +11021,7 @@
                   <a:tcPr marT="63500" marB="63500" marR="63500" marL="63500"/>
                 </a:tc>
               </a:tr>
-              <a:tr h="375125">
+              <a:tr h="334550">
                 <a:tc>
                   <a:txBody>
                     <a:bodyPr/>
@@ -9551,7 +11069,7 @@
                   <a:tcPr marT="63500" marB="63500" marR="63500" marL="63500"/>
                 </a:tc>
               </a:tr>
-              <a:tr h="375125">
+              <a:tr h="334550">
                 <a:tc>
                   <a:txBody>
                     <a:bodyPr/>
@@ -9599,7 +11117,7 @@
                   <a:tcPr marT="63500" marB="63500" marR="63500" marL="63500"/>
                 </a:tc>
               </a:tr>
-              <a:tr h="375125">
+              <a:tr h="334550">
                 <a:tc>
                   <a:txBody>
                     <a:bodyPr/>
@@ -9647,7 +11165,7 @@
                   <a:tcPr marT="63500" marB="63500" marR="63500" marL="63500"/>
                 </a:tc>
               </a:tr>
-              <a:tr h="375125">
+              <a:tr h="334550">
                 <a:tc>
                   <a:txBody>
                     <a:bodyPr/>
@@ -9699,6 +11217,69 @@
           </a:graphicData>
         </a:graphic>
       </p:graphicFrame>
+      <p:sp>
+        <p:nvSpPr>
+          <p:cNvPr id="143" name="Google Shape;143;p19"/>
+          <p:cNvSpPr txBox="1"/>
+          <p:nvPr/>
+        </p:nvSpPr>
+        <p:spPr>
+          <a:xfrm>
+            <a:off x="1331550" y="4694250"/>
+            <a:ext cx="7086600" cy="342900"/>
+          </a:xfrm>
+          <a:prstGeom prst="rect">
+            <a:avLst/>
+          </a:prstGeom>
+          <a:noFill/>
+          <a:ln>
+            <a:noFill/>
+          </a:ln>
+        </p:spPr>
+        <p:txBody>
+          <a:bodyPr anchorCtr="0" anchor="t" bIns="91425" lIns="91425" spcFirstLastPara="1" rIns="91425" wrap="square" tIns="91425">
+            <a:noAutofit/>
+          </a:bodyPr>
+          <a:lstStyle/>
+          <a:p>
+            <a:pPr indent="-304800" lvl="0" marL="457200" rtl="0" algn="l">
+              <a:spcBef>
+                <a:spcPts val="0"/>
+              </a:spcBef>
+              <a:spcAft>
+                <a:spcPts val="0"/>
+              </a:spcAft>
+              <a:buSzPts val="1200"/>
+              <a:buFont typeface="Lato"/>
+              <a:buChar char="➔"/>
+            </a:pPr>
+            <a:r>
+              <a:rPr lang="en" sz="1200">
+                <a:latin typeface="Lato"/>
+                <a:ea typeface="Lato"/>
+                <a:cs typeface="Lato"/>
+                <a:sym typeface="Lato"/>
+              </a:rPr>
+              <a:t>Upsampling</a:t>
+            </a:r>
+            <a:r>
+              <a:rPr lang="en" sz="1200">
+                <a:latin typeface="Lato"/>
+                <a:ea typeface="Lato"/>
+                <a:cs typeface="Lato"/>
+                <a:sym typeface="Lato"/>
+              </a:rPr>
+              <a:t> of minority classes to account for imbalanced classes</a:t>
+            </a:r>
+            <a:endParaRPr sz="1200">
+              <a:latin typeface="Lato"/>
+              <a:ea typeface="Lato"/>
+              <a:cs typeface="Lato"/>
+              <a:sym typeface="Lato"/>
+            </a:endParaRPr>
+          </a:p>
+        </p:txBody>
+      </p:sp>
     </p:spTree>
   </p:cSld>
   <p:clrMapOvr>
@@ -9707,12 +11288,12 @@
 </p:sld>
 </file>
 
-<file path=ppt/slides/slide5.xml><?xml version="1.0" encoding="utf-8"?>
+<file path=ppt/slides/slide8.xml><?xml version="1.0" encoding="utf-8"?>
 <p:sld xmlns:a="http://schemas.openxmlformats.org/drawingml/2006/main" xmlns:r="http://schemas.openxmlformats.org/officeDocument/2006/relationships" xmlns:mc="http://schemas.openxmlformats.org/markup-compatibility/2006" xmlns:mv="urn:schemas-microsoft-com:mac:vml" xmlns:p="http://schemas.openxmlformats.org/presentationml/2006/main" xmlns:c="http://schemas.openxmlformats.org/drawingml/2006/chart" xmlns:dgm="http://schemas.openxmlformats.org/drawingml/2006/diagram" xmlns:o="urn:schemas-microsoft-com:office:office" xmlns:v="urn:schemas-microsoft-com:vml" xmlns:pvml="urn:schemas-microsoft-com:office:powerpoint" xmlns:com="http://schemas.openxmlformats.org/drawingml/2006/compatibility" xmlns:p14="http://schemas.microsoft.com/office/powerpoint/2010/main" xmlns:p15="http://schemas.microsoft.com/office/powerpoint/2012/main" xmlns:ahyp="http://schemas.microsoft.com/office/drawing/2018/hyperlinkcolor">
   <p:cSld>
     <p:spTree>
       <p:nvGrpSpPr>
-        <p:cNvPr id="115" name="Shape 115"/>
+        <p:cNvPr id="147" name="Shape 147"/>
         <p:cNvGrpSpPr/>
         <p:nvPr/>
       </p:nvGrpSpPr>
@@ -9726,21 +11307,19 @@
       </p:grpSpPr>
       <p:sp>
         <p:nvSpPr>
-          <p:cNvPr id="116" name="Google Shape;116;p17"/>
+          <p:cNvPr id="148" name="Google Shape;148;p20"/>
           <p:cNvSpPr/>
           <p:nvPr/>
         </p:nvSpPr>
         <p:spPr>
           <a:xfrm>
-            <a:off x="400025" y="1979850"/>
-            <a:ext cx="3762600" cy="1105800"/>
+            <a:off x="729450" y="3175150"/>
+            <a:ext cx="1318500" cy="1362000"/>
           </a:xfrm>
-          <a:prstGeom prst="rect">
+          <a:prstGeom prst="ellipse">
             <a:avLst/>
           </a:prstGeom>
-          <a:solidFill>
-            <a:schemeClr val="lt2"/>
-          </a:solidFill>
+          <a:noFill/>
           <a:ln cap="flat" cmpd="sng" w="9525">
             <a:solidFill>
               <a:schemeClr val="dk2"/>
@@ -9775,7 +11354,7 @@
       </p:sp>
       <p:sp>
         <p:nvSpPr>
-          <p:cNvPr id="117" name="Google Shape;117;p17"/>
+          <p:cNvPr id="149" name="Google Shape;149;p20"/>
           <p:cNvSpPr txBox="1"/>
           <p:nvPr>
             <p:ph type="title"/>
@@ -9807,7 +11386,7 @@
             </a:pPr>
             <a:r>
               <a:rPr lang="en"/>
-              <a:t>Feature Engineering - Book Features</a:t>
+              <a:t>Model Parameter Tuning</a:t>
             </a:r>
             <a:endParaRPr/>
           </a:p>
@@ -9815,7 +11394,7 @@
       </p:sp>
       <p:sp>
         <p:nvSpPr>
-          <p:cNvPr id="118" name="Google Shape;118;p17"/>
+          <p:cNvPr id="150" name="Google Shape;150;p20"/>
           <p:cNvSpPr txBox="1"/>
           <p:nvPr>
             <p:ph idx="1" type="body"/>
@@ -9823,8 +11402,8 @@
         </p:nvSpPr>
         <p:spPr>
           <a:xfrm>
-            <a:off x="399975" y="2078875"/>
-            <a:ext cx="3762600" cy="2261100"/>
+            <a:off x="729450" y="2078875"/>
+            <a:ext cx="7688700" cy="2652900"/>
           </a:xfrm>
           <a:prstGeom prst="rect">
             <a:avLst/>
@@ -9836,63 +11415,734 @@
           </a:bodyPr>
           <a:lstStyle/>
           <a:p>
-            <a:pPr indent="-311150" lvl="0" marL="457200" rtl="0" algn="l">
-              <a:spcBef>
-                <a:spcPts val="0"/>
-              </a:spcBef>
-              <a:spcAft>
-                <a:spcPts val="0"/>
-              </a:spcAft>
-              <a:buSzPts val="1300"/>
-              <a:buAutoNum type="arabicParenR"/>
+            <a:pPr indent="-298450" lvl="0" marL="457200" rtl="0" algn="l">
+              <a:spcBef>
+                <a:spcPts val="0"/>
+              </a:spcBef>
+              <a:spcAft>
+                <a:spcPts val="0"/>
+              </a:spcAft>
+              <a:buSzPts val="1100"/>
+              <a:buChar char="➔"/>
             </a:pPr>
             <a:r>
-              <a:rPr lang="en"/>
-              <a:t>Reader’s average rating by book “cluster”</a:t>
+              <a:rPr i="1" lang="en" sz="1100"/>
+              <a:t>Grid Search cross validation to optimize parameters for each algorithm</a:t>
+            </a:r>
+            <a:endParaRPr i="1" sz="1100"/>
+          </a:p>
+          <a:p>
+            <a:pPr indent="0" lvl="0" marL="0" rtl="0" algn="l">
+              <a:spcBef>
+                <a:spcPts val="1600"/>
+              </a:spcBef>
+              <a:spcAft>
+                <a:spcPts val="0"/>
+              </a:spcAft>
+              <a:buNone/>
+            </a:pPr>
+            <a:r>
+              <a:rPr lang="en" u="sng"/>
+              <a:t>K-Nearest Neighbors		 		Decision Tree				Random Forest</a:t>
+            </a:r>
+            <a:endParaRPr u="sng"/>
+          </a:p>
+          <a:p>
+            <a:pPr indent="0" lvl="0" marL="0" rtl="0" algn="l">
+              <a:spcBef>
+                <a:spcPts val="1600"/>
+              </a:spcBef>
+              <a:spcAft>
+                <a:spcPts val="1600"/>
+              </a:spcAft>
+              <a:buNone/>
+            </a:pPr>
+            <a:r>
+              <a:rPr lang="en" sz="1100"/>
+              <a:t>n_neighbors = 13</a:t>
+            </a:r>
+            <a:endParaRPr sz="1100"/>
+          </a:p>
+        </p:txBody>
+      </p:sp>
+      <p:sp>
+        <p:nvSpPr>
+          <p:cNvPr id="151" name="Google Shape;151;p20"/>
+          <p:cNvSpPr/>
+          <p:nvPr/>
+        </p:nvSpPr>
+        <p:spPr>
+          <a:xfrm>
+            <a:off x="1171875" y="3235775"/>
+            <a:ext cx="171300" cy="152400"/>
+          </a:xfrm>
+          <a:prstGeom prst="ellipse">
+            <a:avLst/>
+          </a:prstGeom>
+          <a:solidFill>
+            <a:srgbClr val="CFE2F3"/>
+          </a:solidFill>
+          <a:ln cap="flat" cmpd="sng" w="9525">
+            <a:solidFill>
+              <a:schemeClr val="dk2"/>
+            </a:solidFill>
+            <a:prstDash val="solid"/>
+            <a:round/>
+            <a:headEnd len="sm" w="sm" type="none"/>
+            <a:tailEnd len="sm" w="sm" type="none"/>
+          </a:ln>
+        </p:spPr>
+        <p:txBody>
+          <a:bodyPr anchorCtr="0" anchor="ctr" bIns="91425" lIns="91425" spcFirstLastPara="1" rIns="91425" wrap="square" tIns="91425">
+            <a:noAutofit/>
+          </a:bodyPr>
+          <a:lstStyle/>
+          <a:p>
+            <a:pPr indent="0" lvl="0" marL="0" rtl="0" algn="l">
+              <a:spcBef>
+                <a:spcPts val="0"/>
+              </a:spcBef>
+              <a:spcAft>
+                <a:spcPts val="0"/>
+              </a:spcAft>
+              <a:buNone/>
+            </a:pPr>
+            <a:r>
+              <a:t/>
             </a:r>
             <a:endParaRPr/>
           </a:p>
+        </p:txBody>
+      </p:sp>
+      <p:sp>
+        <p:nvSpPr>
+          <p:cNvPr id="152" name="Google Shape;152;p20"/>
+          <p:cNvSpPr/>
+          <p:nvPr/>
+        </p:nvSpPr>
+        <p:spPr>
+          <a:xfrm>
+            <a:off x="1038375" y="3464375"/>
+            <a:ext cx="171300" cy="152400"/>
+          </a:xfrm>
+          <a:prstGeom prst="ellipse">
+            <a:avLst/>
+          </a:prstGeom>
+          <a:solidFill>
+            <a:srgbClr val="E6B8AF"/>
+          </a:solidFill>
+          <a:ln cap="flat" cmpd="sng" w="9525">
+            <a:solidFill>
+              <a:schemeClr val="dk2"/>
+            </a:solidFill>
+            <a:prstDash val="solid"/>
+            <a:round/>
+            <a:headEnd len="sm" w="sm" type="none"/>
+            <a:tailEnd len="sm" w="sm" type="none"/>
+          </a:ln>
+        </p:spPr>
+        <p:txBody>
+          <a:bodyPr anchorCtr="0" anchor="ctr" bIns="91425" lIns="91425" spcFirstLastPara="1" rIns="91425" wrap="square" tIns="91425">
+            <a:noAutofit/>
+          </a:bodyPr>
+          <a:lstStyle/>
           <a:p>
-            <a:pPr indent="-298450" lvl="1" marL="914400" rtl="0" algn="l">
-              <a:spcBef>
-                <a:spcPts val="0"/>
-              </a:spcBef>
-              <a:spcAft>
-                <a:spcPts val="0"/>
-              </a:spcAft>
-              <a:buSzPts val="1100"/>
-              <a:buChar char="○"/>
+            <a:pPr indent="0" lvl="0" marL="0" rtl="0" algn="l">
+              <a:spcBef>
+                <a:spcPts val="0"/>
+              </a:spcBef>
+              <a:spcAft>
+                <a:spcPts val="0"/>
+              </a:spcAft>
+              <a:buNone/>
             </a:pPr>
             <a:r>
-              <a:rPr lang="en"/>
-              <a:t>K-Means Clustering on books</a:t>
+              <a:t/>
             </a:r>
             <a:endParaRPr/>
           </a:p>
+        </p:txBody>
+      </p:sp>
+      <p:sp>
+        <p:nvSpPr>
+          <p:cNvPr id="153" name="Google Shape;153;p20"/>
+          <p:cNvSpPr/>
+          <p:nvPr/>
+        </p:nvSpPr>
+        <p:spPr>
+          <a:xfrm>
+            <a:off x="885975" y="3616775"/>
+            <a:ext cx="171300" cy="152400"/>
+          </a:xfrm>
+          <a:prstGeom prst="ellipse">
+            <a:avLst/>
+          </a:prstGeom>
+          <a:solidFill>
+            <a:srgbClr val="D9D2E9"/>
+          </a:solidFill>
+          <a:ln cap="flat" cmpd="sng" w="9525">
+            <a:solidFill>
+              <a:schemeClr val="dk2"/>
+            </a:solidFill>
+            <a:prstDash val="solid"/>
+            <a:round/>
+            <a:headEnd len="sm" w="sm" type="none"/>
+            <a:tailEnd len="sm" w="sm" type="none"/>
+          </a:ln>
+        </p:spPr>
+        <p:txBody>
+          <a:bodyPr anchorCtr="0" anchor="ctr" bIns="91425" lIns="91425" spcFirstLastPara="1" rIns="91425" wrap="square" tIns="91425">
+            <a:noAutofit/>
+          </a:bodyPr>
+          <a:lstStyle/>
           <a:p>
-            <a:pPr indent="-298450" lvl="1" marL="914400" rtl="0" algn="l">
-              <a:spcBef>
-                <a:spcPts val="0"/>
-              </a:spcBef>
-              <a:spcAft>
-                <a:spcPts val="0"/>
-              </a:spcAft>
-              <a:buSzPts val="1100"/>
-              <a:buChar char="○"/>
+            <a:pPr indent="0" lvl="0" marL="0" rtl="0" algn="l">
+              <a:spcBef>
+                <a:spcPts val="0"/>
+              </a:spcBef>
+              <a:spcAft>
+                <a:spcPts val="0"/>
+              </a:spcAft>
+              <a:buNone/>
             </a:pPr>
             <a:r>
-              <a:rPr lang="en"/>
-              <a:t>Groupby user &amp; cluster: mean rating</a:t>
+              <a:t/>
             </a:r>
             <a:endParaRPr/>
           </a:p>
+        </p:txBody>
+      </p:sp>
+      <p:sp>
+        <p:nvSpPr>
+          <p:cNvPr id="154" name="Google Shape;154;p20"/>
+          <p:cNvSpPr/>
+          <p:nvPr/>
+        </p:nvSpPr>
+        <p:spPr>
+          <a:xfrm>
+            <a:off x="1209675" y="3854900"/>
+            <a:ext cx="171300" cy="152400"/>
+          </a:xfrm>
+          <a:prstGeom prst="ellipse">
+            <a:avLst/>
+          </a:prstGeom>
+          <a:solidFill>
+            <a:srgbClr val="CFE2F3"/>
+          </a:solidFill>
+          <a:ln cap="flat" cmpd="sng" w="9525">
+            <a:solidFill>
+              <a:schemeClr val="dk2"/>
+            </a:solidFill>
+            <a:prstDash val="solid"/>
+            <a:round/>
+            <a:headEnd len="sm" w="sm" type="none"/>
+            <a:tailEnd len="sm" w="sm" type="none"/>
+          </a:ln>
+        </p:spPr>
+        <p:txBody>
+          <a:bodyPr anchorCtr="0" anchor="ctr" bIns="91425" lIns="91425" spcFirstLastPara="1" rIns="91425" wrap="square" tIns="91425">
+            <a:noAutofit/>
+          </a:bodyPr>
+          <a:lstStyle/>
           <a:p>
-            <a:pPr indent="0" lvl="0" marL="457200" rtl="0" algn="l">
-              <a:spcBef>
-                <a:spcPts val="1600"/>
-              </a:spcBef>
-              <a:spcAft>
-                <a:spcPts val="1600"/>
+            <a:pPr indent="0" lvl="0" marL="0" rtl="0" algn="l">
+              <a:spcBef>
+                <a:spcPts val="0"/>
+              </a:spcBef>
+              <a:spcAft>
+                <a:spcPts val="0"/>
+              </a:spcAft>
+              <a:buNone/>
+            </a:pPr>
+            <a:r>
+              <a:t/>
+            </a:r>
+            <a:endParaRPr/>
+          </a:p>
+        </p:txBody>
+      </p:sp>
+      <p:sp>
+        <p:nvSpPr>
+          <p:cNvPr id="155" name="Google Shape;155;p20"/>
+          <p:cNvSpPr/>
+          <p:nvPr/>
+        </p:nvSpPr>
+        <p:spPr>
+          <a:xfrm>
+            <a:off x="1295550" y="4007300"/>
+            <a:ext cx="171300" cy="152400"/>
+          </a:xfrm>
+          <a:prstGeom prst="ellipse">
+            <a:avLst/>
+          </a:prstGeom>
+          <a:solidFill>
+            <a:srgbClr val="D9EAD3"/>
+          </a:solidFill>
+          <a:ln cap="flat" cmpd="sng" w="9525">
+            <a:solidFill>
+              <a:schemeClr val="dk2"/>
+            </a:solidFill>
+            <a:prstDash val="solid"/>
+            <a:round/>
+            <a:headEnd len="sm" w="sm" type="none"/>
+            <a:tailEnd len="sm" w="sm" type="none"/>
+          </a:ln>
+        </p:spPr>
+        <p:txBody>
+          <a:bodyPr anchorCtr="0" anchor="ctr" bIns="91425" lIns="91425" spcFirstLastPara="1" rIns="91425" wrap="square" tIns="91425">
+            <a:noAutofit/>
+          </a:bodyPr>
+          <a:lstStyle/>
+          <a:p>
+            <a:pPr indent="0" lvl="0" marL="0" rtl="0" algn="l">
+              <a:spcBef>
+                <a:spcPts val="0"/>
+              </a:spcBef>
+              <a:spcAft>
+                <a:spcPts val="0"/>
+              </a:spcAft>
+              <a:buNone/>
+            </a:pPr>
+            <a:r>
+              <a:t/>
+            </a:r>
+            <a:endParaRPr/>
+          </a:p>
+        </p:txBody>
+      </p:sp>
+      <p:sp>
+        <p:nvSpPr>
+          <p:cNvPr id="156" name="Google Shape;156;p20"/>
+          <p:cNvSpPr/>
+          <p:nvPr/>
+        </p:nvSpPr>
+        <p:spPr>
+          <a:xfrm>
+            <a:off x="1581150" y="3921575"/>
+            <a:ext cx="171300" cy="152400"/>
+          </a:xfrm>
+          <a:prstGeom prst="ellipse">
+            <a:avLst/>
+          </a:prstGeom>
+          <a:solidFill>
+            <a:srgbClr val="FCE5CD"/>
+          </a:solidFill>
+          <a:ln cap="flat" cmpd="sng" w="9525">
+            <a:solidFill>
+              <a:schemeClr val="dk2"/>
+            </a:solidFill>
+            <a:prstDash val="solid"/>
+            <a:round/>
+            <a:headEnd len="sm" w="sm" type="none"/>
+            <a:tailEnd len="sm" w="sm" type="none"/>
+          </a:ln>
+        </p:spPr>
+        <p:txBody>
+          <a:bodyPr anchorCtr="0" anchor="ctr" bIns="91425" lIns="91425" spcFirstLastPara="1" rIns="91425" wrap="square" tIns="91425">
+            <a:noAutofit/>
+          </a:bodyPr>
+          <a:lstStyle/>
+          <a:p>
+            <a:pPr indent="0" lvl="0" marL="0" rtl="0" algn="l">
+              <a:spcBef>
+                <a:spcPts val="0"/>
+              </a:spcBef>
+              <a:spcAft>
+                <a:spcPts val="0"/>
+              </a:spcAft>
+              <a:buNone/>
+            </a:pPr>
+            <a:r>
+              <a:t/>
+            </a:r>
+            <a:endParaRPr/>
+          </a:p>
+        </p:txBody>
+      </p:sp>
+      <p:sp>
+        <p:nvSpPr>
+          <p:cNvPr id="157" name="Google Shape;157;p20"/>
+          <p:cNvSpPr/>
+          <p:nvPr/>
+        </p:nvSpPr>
+        <p:spPr>
+          <a:xfrm>
+            <a:off x="1581150" y="4159700"/>
+            <a:ext cx="171300" cy="152400"/>
+          </a:xfrm>
+          <a:prstGeom prst="ellipse">
+            <a:avLst/>
+          </a:prstGeom>
+          <a:solidFill>
+            <a:srgbClr val="D9D2E9"/>
+          </a:solidFill>
+          <a:ln cap="flat" cmpd="sng" w="9525">
+            <a:solidFill>
+              <a:schemeClr val="dk2"/>
+            </a:solidFill>
+            <a:prstDash val="solid"/>
+            <a:round/>
+            <a:headEnd len="sm" w="sm" type="none"/>
+            <a:tailEnd len="sm" w="sm" type="none"/>
+          </a:ln>
+        </p:spPr>
+        <p:txBody>
+          <a:bodyPr anchorCtr="0" anchor="ctr" bIns="91425" lIns="91425" spcFirstLastPara="1" rIns="91425" wrap="square" tIns="91425">
+            <a:noAutofit/>
+          </a:bodyPr>
+          <a:lstStyle/>
+          <a:p>
+            <a:pPr indent="0" lvl="0" marL="0" rtl="0" algn="l">
+              <a:spcBef>
+                <a:spcPts val="0"/>
+              </a:spcBef>
+              <a:spcAft>
+                <a:spcPts val="0"/>
+              </a:spcAft>
+              <a:buNone/>
+            </a:pPr>
+            <a:r>
+              <a:t/>
+            </a:r>
+            <a:endParaRPr/>
+          </a:p>
+        </p:txBody>
+      </p:sp>
+      <p:sp>
+        <p:nvSpPr>
+          <p:cNvPr id="158" name="Google Shape;158;p20"/>
+          <p:cNvSpPr/>
+          <p:nvPr/>
+        </p:nvSpPr>
+        <p:spPr>
+          <a:xfrm>
+            <a:off x="1581150" y="3625350"/>
+            <a:ext cx="171300" cy="152400"/>
+          </a:xfrm>
+          <a:prstGeom prst="ellipse">
+            <a:avLst/>
+          </a:prstGeom>
+          <a:solidFill>
+            <a:srgbClr val="FFF2CC"/>
+          </a:solidFill>
+          <a:ln cap="flat" cmpd="sng" w="9525">
+            <a:solidFill>
+              <a:schemeClr val="dk2"/>
+            </a:solidFill>
+            <a:prstDash val="solid"/>
+            <a:round/>
+            <a:headEnd len="sm" w="sm" type="none"/>
+            <a:tailEnd len="sm" w="sm" type="none"/>
+          </a:ln>
+        </p:spPr>
+        <p:txBody>
+          <a:bodyPr anchorCtr="0" anchor="ctr" bIns="91425" lIns="91425" spcFirstLastPara="1" rIns="91425" wrap="square" tIns="91425">
+            <a:noAutofit/>
+          </a:bodyPr>
+          <a:lstStyle/>
+          <a:p>
+            <a:pPr indent="0" lvl="0" marL="0" rtl="0" algn="l">
+              <a:spcBef>
+                <a:spcPts val="0"/>
+              </a:spcBef>
+              <a:spcAft>
+                <a:spcPts val="0"/>
+              </a:spcAft>
+              <a:buNone/>
+            </a:pPr>
+            <a:r>
+              <a:t/>
+            </a:r>
+            <a:endParaRPr/>
+          </a:p>
+        </p:txBody>
+      </p:sp>
+      <p:sp>
+        <p:nvSpPr>
+          <p:cNvPr id="159" name="Google Shape;159;p20"/>
+          <p:cNvSpPr/>
+          <p:nvPr/>
+        </p:nvSpPr>
+        <p:spPr>
+          <a:xfrm>
+            <a:off x="1209675" y="4226375"/>
+            <a:ext cx="171300" cy="152400"/>
+          </a:xfrm>
+          <a:prstGeom prst="ellipse">
+            <a:avLst/>
+          </a:prstGeom>
+          <a:solidFill>
+            <a:srgbClr val="CFE2F3"/>
+          </a:solidFill>
+          <a:ln cap="flat" cmpd="sng" w="9525">
+            <a:solidFill>
+              <a:schemeClr val="dk2"/>
+            </a:solidFill>
+            <a:prstDash val="solid"/>
+            <a:round/>
+            <a:headEnd len="sm" w="sm" type="none"/>
+            <a:tailEnd len="sm" w="sm" type="none"/>
+          </a:ln>
+        </p:spPr>
+        <p:txBody>
+          <a:bodyPr anchorCtr="0" anchor="ctr" bIns="91425" lIns="91425" spcFirstLastPara="1" rIns="91425" wrap="square" tIns="91425">
+            <a:noAutofit/>
+          </a:bodyPr>
+          <a:lstStyle/>
+          <a:p>
+            <a:pPr indent="0" lvl="0" marL="0" rtl="0" algn="l">
+              <a:spcBef>
+                <a:spcPts val="0"/>
+              </a:spcBef>
+              <a:spcAft>
+                <a:spcPts val="0"/>
+              </a:spcAft>
+              <a:buNone/>
+            </a:pPr>
+            <a:r>
+              <a:t/>
+            </a:r>
+            <a:endParaRPr/>
+          </a:p>
+        </p:txBody>
+      </p:sp>
+      <p:sp>
+        <p:nvSpPr>
+          <p:cNvPr id="160" name="Google Shape;160;p20"/>
+          <p:cNvSpPr/>
+          <p:nvPr/>
+        </p:nvSpPr>
+        <p:spPr>
+          <a:xfrm>
+            <a:off x="1800375" y="3854900"/>
+            <a:ext cx="171300" cy="152400"/>
+          </a:xfrm>
+          <a:prstGeom prst="ellipse">
+            <a:avLst/>
+          </a:prstGeom>
+          <a:solidFill>
+            <a:srgbClr val="CFE2F3"/>
+          </a:solidFill>
+          <a:ln cap="flat" cmpd="sng" w="9525">
+            <a:solidFill>
+              <a:schemeClr val="dk2"/>
+            </a:solidFill>
+            <a:prstDash val="solid"/>
+            <a:round/>
+            <a:headEnd len="sm" w="sm" type="none"/>
+            <a:tailEnd len="sm" w="sm" type="none"/>
+          </a:ln>
+        </p:spPr>
+        <p:txBody>
+          <a:bodyPr anchorCtr="0" anchor="ctr" bIns="91425" lIns="91425" spcFirstLastPara="1" rIns="91425" wrap="square" tIns="91425">
+            <a:noAutofit/>
+          </a:bodyPr>
+          <a:lstStyle/>
+          <a:p>
+            <a:pPr indent="0" lvl="0" marL="0" rtl="0" algn="l">
+              <a:spcBef>
+                <a:spcPts val="0"/>
+              </a:spcBef>
+              <a:spcAft>
+                <a:spcPts val="0"/>
+              </a:spcAft>
+              <a:buNone/>
+            </a:pPr>
+            <a:r>
+              <a:t/>
+            </a:r>
+            <a:endParaRPr/>
+          </a:p>
+        </p:txBody>
+      </p:sp>
+      <p:sp>
+        <p:nvSpPr>
+          <p:cNvPr id="161" name="Google Shape;161;p20"/>
+          <p:cNvSpPr/>
+          <p:nvPr/>
+        </p:nvSpPr>
+        <p:spPr>
+          <a:xfrm>
+            <a:off x="943125" y="4073975"/>
+            <a:ext cx="171300" cy="152400"/>
+          </a:xfrm>
+          <a:prstGeom prst="ellipse">
+            <a:avLst/>
+          </a:prstGeom>
+          <a:solidFill>
+            <a:srgbClr val="D9D2E9"/>
+          </a:solidFill>
+          <a:ln cap="flat" cmpd="sng" w="9525">
+            <a:solidFill>
+              <a:schemeClr val="dk2"/>
+            </a:solidFill>
+            <a:prstDash val="solid"/>
+            <a:round/>
+            <a:headEnd len="sm" w="sm" type="none"/>
+            <a:tailEnd len="sm" w="sm" type="none"/>
+          </a:ln>
+        </p:spPr>
+        <p:txBody>
+          <a:bodyPr anchorCtr="0" anchor="ctr" bIns="91425" lIns="91425" spcFirstLastPara="1" rIns="91425" wrap="square" tIns="91425">
+            <a:noAutofit/>
+          </a:bodyPr>
+          <a:lstStyle/>
+          <a:p>
+            <a:pPr indent="0" lvl="0" marL="0" rtl="0" algn="l">
+              <a:spcBef>
+                <a:spcPts val="0"/>
+              </a:spcBef>
+              <a:spcAft>
+                <a:spcPts val="0"/>
+              </a:spcAft>
+              <a:buNone/>
+            </a:pPr>
+            <a:r>
+              <a:t/>
+            </a:r>
+            <a:endParaRPr/>
+          </a:p>
+        </p:txBody>
+      </p:sp>
+      <p:sp>
+        <p:nvSpPr>
+          <p:cNvPr id="162" name="Google Shape;162;p20"/>
+          <p:cNvSpPr/>
+          <p:nvPr/>
+        </p:nvSpPr>
+        <p:spPr>
+          <a:xfrm>
+            <a:off x="1409850" y="3329125"/>
+            <a:ext cx="171300" cy="152400"/>
+          </a:xfrm>
+          <a:prstGeom prst="ellipse">
+            <a:avLst/>
+          </a:prstGeom>
+          <a:solidFill>
+            <a:srgbClr val="CFE2F3"/>
+          </a:solidFill>
+          <a:ln cap="flat" cmpd="sng" w="9525">
+            <a:solidFill>
+              <a:schemeClr val="dk2"/>
+            </a:solidFill>
+            <a:prstDash val="solid"/>
+            <a:round/>
+            <a:headEnd len="sm" w="sm" type="none"/>
+            <a:tailEnd len="sm" w="sm" type="none"/>
+          </a:ln>
+        </p:spPr>
+        <p:txBody>
+          <a:bodyPr anchorCtr="0" anchor="ctr" bIns="91425" lIns="91425" spcFirstLastPara="1" rIns="91425" wrap="square" tIns="91425">
+            <a:noAutofit/>
+          </a:bodyPr>
+          <a:lstStyle/>
+          <a:p>
+            <a:pPr indent="0" lvl="0" marL="0" rtl="0" algn="l">
+              <a:spcBef>
+                <a:spcPts val="0"/>
+              </a:spcBef>
+              <a:spcAft>
+                <a:spcPts val="0"/>
+              </a:spcAft>
+              <a:buNone/>
+            </a:pPr>
+            <a:r>
+              <a:t/>
+            </a:r>
+            <a:endParaRPr/>
+          </a:p>
+        </p:txBody>
+      </p:sp>
+      <p:sp>
+        <p:nvSpPr>
+          <p:cNvPr id="163" name="Google Shape;163;p20"/>
+          <p:cNvSpPr/>
+          <p:nvPr/>
+        </p:nvSpPr>
+        <p:spPr>
+          <a:xfrm>
+            <a:off x="1800375" y="3540575"/>
+            <a:ext cx="171300" cy="152400"/>
+          </a:xfrm>
+          <a:prstGeom prst="ellipse">
+            <a:avLst/>
+          </a:prstGeom>
+          <a:solidFill>
+            <a:srgbClr val="E6B8AF"/>
+          </a:solidFill>
+          <a:ln cap="flat" cmpd="sng" w="9525">
+            <a:solidFill>
+              <a:schemeClr val="dk2"/>
+            </a:solidFill>
+            <a:prstDash val="solid"/>
+            <a:round/>
+            <a:headEnd len="sm" w="sm" type="none"/>
+            <a:tailEnd len="sm" w="sm" type="none"/>
+          </a:ln>
+        </p:spPr>
+        <p:txBody>
+          <a:bodyPr anchorCtr="0" anchor="ctr" bIns="91425" lIns="91425" spcFirstLastPara="1" rIns="91425" wrap="square" tIns="91425">
+            <a:noAutofit/>
+          </a:bodyPr>
+          <a:lstStyle/>
+          <a:p>
+            <a:pPr indent="0" lvl="0" marL="0" rtl="0" algn="l">
+              <a:spcBef>
+                <a:spcPts val="0"/>
+              </a:spcBef>
+              <a:spcAft>
+                <a:spcPts val="0"/>
+              </a:spcAft>
+              <a:buNone/>
+            </a:pPr>
+            <a:r>
+              <a:t/>
+            </a:r>
+            <a:endParaRPr/>
+          </a:p>
+        </p:txBody>
+      </p:sp>
+      <p:sp>
+        <p:nvSpPr>
+          <p:cNvPr id="164" name="Google Shape;164;p20"/>
+          <p:cNvSpPr/>
+          <p:nvPr/>
+        </p:nvSpPr>
+        <p:spPr>
+          <a:xfrm>
+            <a:off x="1343175" y="3668200"/>
+            <a:ext cx="171300" cy="152400"/>
+          </a:xfrm>
+          <a:prstGeom prst="plus">
+            <a:avLst>
+              <a:gd fmla="val 25000" name="adj"/>
+            </a:avLst>
+          </a:prstGeom>
+          <a:solidFill>
+            <a:srgbClr val="C9DAF8"/>
+          </a:solidFill>
+          <a:ln cap="flat" cmpd="sng" w="9525">
+            <a:solidFill>
+              <a:schemeClr val="dk2"/>
+            </a:solidFill>
+            <a:prstDash val="solid"/>
+            <a:round/>
+            <a:headEnd len="sm" w="sm" type="none"/>
+            <a:tailEnd len="sm" w="sm" type="none"/>
+          </a:ln>
+        </p:spPr>
+        <p:txBody>
+          <a:bodyPr anchorCtr="0" anchor="ctr" bIns="91425" lIns="91425" spcFirstLastPara="1" rIns="91425" wrap="square" tIns="91425">
+            <a:noAutofit/>
+          </a:bodyPr>
+          <a:lstStyle/>
+          <a:p>
+            <a:pPr indent="0" lvl="0" marL="0" rtl="0" algn="l">
+              <a:spcBef>
+                <a:spcPts val="0"/>
+              </a:spcBef>
+              <a:spcAft>
+                <a:spcPts val="0"/>
               </a:spcAft>
               <a:buNone/>
             </a:pPr>
@@ -9905,7 +12155,7 @@
       </p:sp>
       <p:pic>
         <p:nvPicPr>
-          <p:cNvPr id="119" name="Google Shape;119;p17"/>
+          <p:cNvPr id="165" name="Google Shape;165;p20"/>
           <p:cNvPicPr preferRelativeResize="0"/>
           <p:nvPr/>
         </p:nvPicPr>
@@ -9919,8 +12169,36 @@
         </p:blipFill>
         <p:spPr>
           <a:xfrm>
-            <a:off x="1023325" y="3408050"/>
-            <a:ext cx="6540340" cy="1603325"/>
+            <a:off x="5777063" y="2784250"/>
+            <a:ext cx="2716312" cy="1810875"/>
+          </a:xfrm>
+          <a:prstGeom prst="rect">
+            <a:avLst/>
+          </a:prstGeom>
+          <a:noFill/>
+          <a:ln>
+            <a:noFill/>
+          </a:ln>
+        </p:spPr>
+      </p:pic>
+      <p:pic>
+        <p:nvPicPr>
+          <p:cNvPr id="166" name="Google Shape;166;p20"/>
+          <p:cNvPicPr preferRelativeResize="0"/>
+          <p:nvPr/>
+        </p:nvPicPr>
+        <p:blipFill>
+          <a:blip r:embed="rId4">
+            <a:alphaModFix/>
+          </a:blip>
+          <a:stretch>
+            <a:fillRect/>
+          </a:stretch>
+        </p:blipFill>
+        <p:spPr>
+          <a:xfrm>
+            <a:off x="2867487" y="2791900"/>
+            <a:ext cx="1794550" cy="2278375"/>
           </a:xfrm>
           <a:prstGeom prst="rect">
             <a:avLst/>
@@ -9933,14 +12211,14 @@
       </p:pic>
       <p:sp>
         <p:nvSpPr>
-          <p:cNvPr id="120" name="Google Shape;120;p17"/>
+          <p:cNvPr id="167" name="Google Shape;167;p20"/>
           <p:cNvSpPr txBox="1"/>
           <p:nvPr/>
         </p:nvSpPr>
         <p:spPr>
           <a:xfrm>
-            <a:off x="4162575" y="1853850"/>
-            <a:ext cx="3401100" cy="3000000"/>
+            <a:off x="4662050" y="3122675"/>
+            <a:ext cx="978900" cy="1750200"/>
           </a:xfrm>
           <a:prstGeom prst="rect">
             <a:avLst/>
@@ -9956,173 +12234,30 @@
           </a:bodyPr>
           <a:lstStyle/>
           <a:p>
-            <a:pPr indent="-311150" lvl="0" marL="457200" rtl="0" algn="l">
-              <a:lnSpc>
-                <a:spcPct val="115000"/>
-              </a:lnSpc>
-              <a:spcBef>
-                <a:spcPts val="0"/>
-              </a:spcBef>
-              <a:spcAft>
-                <a:spcPts val="0"/>
-              </a:spcAft>
-              <a:buClr>
-                <a:srgbClr val="FFFFFF"/>
-              </a:buClr>
-              <a:buSzPts val="1300"/>
-              <a:buFont typeface="Lato"/>
-              <a:buAutoNum type="arabicParenR"/>
+            <a:pPr indent="0" lvl="0" marL="0" rtl="0" algn="l">
+              <a:spcBef>
+                <a:spcPts val="0"/>
+              </a:spcBef>
+              <a:spcAft>
+                <a:spcPts val="0"/>
+              </a:spcAft>
+              <a:buNone/>
             </a:pPr>
             <a:r>
-              <a:t/>
+              <a:rPr b="1" i="1" lang="en" sz="1000">
+                <a:latin typeface="Lato"/>
+                <a:ea typeface="Lato"/>
+                <a:cs typeface="Lato"/>
+                <a:sym typeface="Lato"/>
+              </a:rPr>
+              <a:t>&lt; top 4 levels almost all split on avg_rating_by_cluster</a:t>
             </a:r>
-            <a:endParaRPr sz="1300">
-              <a:solidFill>
-                <a:srgbClr val="FFFFFF"/>
-              </a:solidFill>
+            <a:endParaRPr b="1" i="1" sz="1000">
               <a:latin typeface="Lato"/>
               <a:ea typeface="Lato"/>
               <a:cs typeface="Lato"/>
               <a:sym typeface="Lato"/>
             </a:endParaRPr>
-          </a:p>
-          <a:p>
-            <a:pPr indent="-311150" lvl="0" marL="457200" rtl="0" algn="l">
-              <a:lnSpc>
-                <a:spcPct val="115000"/>
-              </a:lnSpc>
-              <a:spcBef>
-                <a:spcPts val="0"/>
-              </a:spcBef>
-              <a:spcAft>
-                <a:spcPts val="0"/>
-              </a:spcAft>
-              <a:buClr>
-                <a:schemeClr val="accent1"/>
-              </a:buClr>
-              <a:buSzPts val="1300"/>
-              <a:buFont typeface="Lato"/>
-              <a:buAutoNum type="arabicParenR"/>
-            </a:pPr>
-            <a:r>
-              <a:rPr lang="en" sz="1300">
-                <a:solidFill>
-                  <a:schemeClr val="accent1"/>
-                </a:solidFill>
-                <a:latin typeface="Lato"/>
-                <a:ea typeface="Lato"/>
-                <a:cs typeface="Lato"/>
-                <a:sym typeface="Lato"/>
-              </a:rPr>
-              <a:t>Average rating of similar books</a:t>
-            </a:r>
-            <a:endParaRPr sz="1300">
-              <a:solidFill>
-                <a:schemeClr val="accent1"/>
-              </a:solidFill>
-              <a:latin typeface="Lato"/>
-              <a:ea typeface="Lato"/>
-              <a:cs typeface="Lato"/>
-              <a:sym typeface="Lato"/>
-            </a:endParaRPr>
-          </a:p>
-          <a:p>
-            <a:pPr indent="-298450" lvl="1" marL="914400" rtl="0" algn="l">
-              <a:lnSpc>
-                <a:spcPct val="115000"/>
-              </a:lnSpc>
-              <a:spcBef>
-                <a:spcPts val="0"/>
-              </a:spcBef>
-              <a:spcAft>
-                <a:spcPts val="0"/>
-              </a:spcAft>
-              <a:buClr>
-                <a:schemeClr val="accent1"/>
-              </a:buClr>
-              <a:buSzPts val="1100"/>
-              <a:buFont typeface="Lato"/>
-              <a:buChar char="○"/>
-            </a:pPr>
-            <a:r>
-              <a:rPr lang="en" sz="1100">
-                <a:solidFill>
-                  <a:schemeClr val="accent1"/>
-                </a:solidFill>
-                <a:latin typeface="Lato"/>
-                <a:ea typeface="Lato"/>
-                <a:cs typeface="Lato"/>
-                <a:sym typeface="Lato"/>
-              </a:rPr>
-              <a:t>Cosine similarity rankings of all books</a:t>
-            </a:r>
-            <a:endParaRPr sz="1100">
-              <a:solidFill>
-                <a:schemeClr val="accent1"/>
-              </a:solidFill>
-              <a:latin typeface="Lato"/>
-              <a:ea typeface="Lato"/>
-              <a:cs typeface="Lato"/>
-              <a:sym typeface="Lato"/>
-            </a:endParaRPr>
-          </a:p>
-          <a:p>
-            <a:pPr indent="-298450" lvl="1" marL="914400" rtl="0" algn="l">
-              <a:lnSpc>
-                <a:spcPct val="115000"/>
-              </a:lnSpc>
-              <a:spcBef>
-                <a:spcPts val="0"/>
-              </a:spcBef>
-              <a:spcAft>
-                <a:spcPts val="0"/>
-              </a:spcAft>
-              <a:buClr>
-                <a:schemeClr val="accent1"/>
-              </a:buClr>
-              <a:buSzPts val="1100"/>
-              <a:buFont typeface="Lato"/>
-              <a:buChar char="○"/>
-            </a:pPr>
-            <a:r>
-              <a:rPr lang="en" sz="1100">
-                <a:solidFill>
-                  <a:schemeClr val="accent1"/>
-                </a:solidFill>
-                <a:latin typeface="Lato"/>
-                <a:ea typeface="Lato"/>
-                <a:cs typeface="Lato"/>
-                <a:sym typeface="Lato"/>
-              </a:rPr>
-              <a:t>Rank top 3 most similar by each book</a:t>
-            </a:r>
-            <a:endParaRPr sz="1100">
-              <a:solidFill>
-                <a:schemeClr val="accent1"/>
-              </a:solidFill>
-              <a:latin typeface="Lato"/>
-              <a:ea typeface="Lato"/>
-              <a:cs typeface="Lato"/>
-              <a:sym typeface="Lato"/>
-            </a:endParaRPr>
-          </a:p>
-          <a:p>
-            <a:pPr indent="0" lvl="0" marL="914400" rtl="0" algn="l">
-              <a:lnSpc>
-                <a:spcPct val="115000"/>
-              </a:lnSpc>
-              <a:spcBef>
-                <a:spcPts val="1600"/>
-              </a:spcBef>
-              <a:spcAft>
-                <a:spcPts val="1600"/>
-              </a:spcAft>
-              <a:buNone/>
-            </a:pPr>
-            <a:r>
-              <a:t/>
-            </a:r>
-            <a:endParaRPr/>
           </a:p>
         </p:txBody>
       </p:sp>
@@ -10134,12 +12269,12 @@
 </p:sld>
 </file>
 
-<file path=ppt/slides/slide6.xml><?xml version="1.0" encoding="utf-8"?>
+<file path=ppt/slides/slide9.xml><?xml version="1.0" encoding="utf-8"?>
 <p:sld xmlns:a="http://schemas.openxmlformats.org/drawingml/2006/main" xmlns:r="http://schemas.openxmlformats.org/officeDocument/2006/relationships" xmlns:mc="http://schemas.openxmlformats.org/markup-compatibility/2006" xmlns:mv="urn:schemas-microsoft-com:mac:vml" xmlns:p="http://schemas.openxmlformats.org/presentationml/2006/main" xmlns:c="http://schemas.openxmlformats.org/drawingml/2006/chart" xmlns:dgm="http://schemas.openxmlformats.org/drawingml/2006/diagram" xmlns:o="urn:schemas-microsoft-com:office:office" xmlns:v="urn:schemas-microsoft-com:vml" xmlns:pvml="urn:schemas-microsoft-com:office:powerpoint" xmlns:com="http://schemas.openxmlformats.org/drawingml/2006/compatibility" xmlns:p14="http://schemas.microsoft.com/office/powerpoint/2010/main" xmlns:p15="http://schemas.microsoft.com/office/powerpoint/2012/main" xmlns:ahyp="http://schemas.microsoft.com/office/drawing/2018/hyperlinkcolor">
   <p:cSld>
     <p:spTree>
       <p:nvGrpSpPr>
-        <p:cNvPr id="124" name="Shape 124"/>
+        <p:cNvPr id="171" name="Shape 171"/>
         <p:cNvGrpSpPr/>
         <p:nvPr/>
       </p:nvGrpSpPr>
@@ -10153,7 +12288,7 @@
       </p:grpSpPr>
       <p:sp>
         <p:nvSpPr>
-          <p:cNvPr id="125" name="Google Shape;125;p18"/>
+          <p:cNvPr id="172" name="Google Shape;172;p21"/>
           <p:cNvSpPr txBox="1"/>
           <p:nvPr>
             <p:ph type="title"/>
@@ -10185,700 +12320,519 @@
             </a:pPr>
             <a:r>
               <a:rPr lang="en"/>
-              <a:t>Feature Engineering - Review Features</a:t>
+              <a:t>Model Metrics</a:t>
             </a:r>
             <a:endParaRPr/>
           </a:p>
         </p:txBody>
       </p:sp>
+      <p:graphicFrame>
+        <p:nvGraphicFramePr>
+          <p:cNvPr id="173" name="Google Shape;173;p21"/>
+          <p:cNvGraphicFramePr/>
+          <p:nvPr/>
+        </p:nvGraphicFramePr>
+        <p:xfrm>
+          <a:off x="952500" y="2190750"/>
+          <a:ext cx="3000000" cy="3000000"/>
+        </p:xfrm>
+        <a:graphic>
+          <a:graphicData uri="http://schemas.openxmlformats.org/drawingml/2006/table">
+            <a:tbl>
+              <a:tblPr>
+                <a:noFill/>
+                <a:tableStyleId>{6DB9C727-3B37-4B32-AAD2-9328E2FB506D}</a:tableStyleId>
+              </a:tblPr>
+              <a:tblGrid>
+                <a:gridCol w="1809750"/>
+                <a:gridCol w="1809750"/>
+                <a:gridCol w="1809750"/>
+                <a:gridCol w="1809750"/>
+              </a:tblGrid>
+              <a:tr h="381000">
+                <a:tc>
+                  <a:txBody>
+                    <a:bodyPr/>
+                    <a:lstStyle/>
+                    <a:p>
+                      <a:pPr indent="0" lvl="0" marL="0" rtl="0" algn="l">
+                        <a:spcBef>
+                          <a:spcPts val="0"/>
+                        </a:spcBef>
+                        <a:spcAft>
+                          <a:spcPts val="0"/>
+                        </a:spcAft>
+                        <a:buNone/>
+                      </a:pPr>
+                      <a:r>
+                        <a:rPr lang="en"/>
+                        <a:t>Metric</a:t>
+                      </a:r>
+                      <a:endParaRPr/>
+                    </a:p>
+                  </a:txBody>
+                  <a:tcPr marT="91425" marB="91425" marR="91425" marL="91425"/>
+                </a:tc>
+                <a:tc>
+                  <a:txBody>
+                    <a:bodyPr/>
+                    <a:lstStyle/>
+                    <a:p>
+                      <a:pPr indent="0" lvl="0" marL="0" rtl="0" algn="l">
+                        <a:spcBef>
+                          <a:spcPts val="0"/>
+                        </a:spcBef>
+                        <a:spcAft>
+                          <a:spcPts val="0"/>
+                        </a:spcAft>
+                        <a:buNone/>
+                      </a:pPr>
+                      <a:r>
+                        <a:rPr lang="en"/>
+                        <a:t>KNN</a:t>
+                      </a:r>
+                      <a:endParaRPr/>
+                    </a:p>
+                  </a:txBody>
+                  <a:tcPr marT="91425" marB="91425" marR="91425" marL="91425"/>
+                </a:tc>
+                <a:tc>
+                  <a:txBody>
+                    <a:bodyPr/>
+                    <a:lstStyle/>
+                    <a:p>
+                      <a:pPr indent="0" lvl="0" marL="0" rtl="0" algn="l">
+                        <a:spcBef>
+                          <a:spcPts val="0"/>
+                        </a:spcBef>
+                        <a:spcAft>
+                          <a:spcPts val="0"/>
+                        </a:spcAft>
+                        <a:buNone/>
+                      </a:pPr>
+                      <a:r>
+                        <a:rPr lang="en"/>
+                        <a:t>Decision Tree</a:t>
+                      </a:r>
+                      <a:endParaRPr/>
+                    </a:p>
+                  </a:txBody>
+                  <a:tcPr marT="91425" marB="91425" marR="91425" marL="91425"/>
+                </a:tc>
+                <a:tc>
+                  <a:txBody>
+                    <a:bodyPr/>
+                    <a:lstStyle/>
+                    <a:p>
+                      <a:pPr indent="0" lvl="0" marL="0" rtl="0" algn="l">
+                        <a:spcBef>
+                          <a:spcPts val="0"/>
+                        </a:spcBef>
+                        <a:spcAft>
+                          <a:spcPts val="0"/>
+                        </a:spcAft>
+                        <a:buNone/>
+                      </a:pPr>
+                      <a:r>
+                        <a:rPr lang="en"/>
+                        <a:t>Random Forest</a:t>
+                      </a:r>
+                      <a:endParaRPr/>
+                    </a:p>
+                  </a:txBody>
+                  <a:tcPr marT="91425" marB="91425" marR="91425" marL="91425"/>
+                </a:tc>
+              </a:tr>
+              <a:tr h="381000">
+                <a:tc>
+                  <a:txBody>
+                    <a:bodyPr/>
+                    <a:lstStyle/>
+                    <a:p>
+                      <a:pPr indent="0" lvl="0" marL="0" rtl="0" algn="l">
+                        <a:spcBef>
+                          <a:spcPts val="0"/>
+                        </a:spcBef>
+                        <a:spcAft>
+                          <a:spcPts val="0"/>
+                        </a:spcAft>
+                        <a:buNone/>
+                      </a:pPr>
+                      <a:r>
+                        <a:rPr lang="en"/>
+                        <a:t>accuracy</a:t>
+                      </a:r>
+                      <a:endParaRPr/>
+                    </a:p>
+                  </a:txBody>
+                  <a:tcPr marT="91425" marB="91425" marR="91425" marL="91425"/>
+                </a:tc>
+                <a:tc>
+                  <a:txBody>
+                    <a:bodyPr/>
+                    <a:lstStyle/>
+                    <a:p>
+                      <a:pPr indent="0" lvl="0" marL="0" rtl="0" algn="ctr">
+                        <a:spcBef>
+                          <a:spcPts val="0"/>
+                        </a:spcBef>
+                        <a:spcAft>
+                          <a:spcPts val="0"/>
+                        </a:spcAft>
+                        <a:buNone/>
+                      </a:pPr>
+                      <a:r>
+                        <a:rPr lang="en"/>
+                        <a:t>0.55</a:t>
+                      </a:r>
+                      <a:endParaRPr/>
+                    </a:p>
+                  </a:txBody>
+                  <a:tcPr marT="91425" marB="91425" marR="91425" marL="91425"/>
+                </a:tc>
+                <a:tc>
+                  <a:txBody>
+                    <a:bodyPr/>
+                    <a:lstStyle/>
+                    <a:p>
+                      <a:pPr indent="0" lvl="0" marL="0" rtl="0" algn="ctr">
+                        <a:spcBef>
+                          <a:spcPts val="0"/>
+                        </a:spcBef>
+                        <a:spcAft>
+                          <a:spcPts val="0"/>
+                        </a:spcAft>
+                        <a:buNone/>
+                      </a:pPr>
+                      <a:r>
+                        <a:rPr lang="en"/>
+                        <a:t>0.57</a:t>
+                      </a:r>
+                      <a:endParaRPr/>
+                    </a:p>
+                  </a:txBody>
+                  <a:tcPr marT="91425" marB="91425" marR="91425" marL="91425"/>
+                </a:tc>
+                <a:tc>
+                  <a:txBody>
+                    <a:bodyPr/>
+                    <a:lstStyle/>
+                    <a:p>
+                      <a:pPr indent="0" lvl="0" marL="0" rtl="0" algn="ctr">
+                        <a:spcBef>
+                          <a:spcPts val="0"/>
+                        </a:spcBef>
+                        <a:spcAft>
+                          <a:spcPts val="0"/>
+                        </a:spcAft>
+                        <a:buNone/>
+                      </a:pPr>
+                      <a:r>
+                        <a:rPr lang="en"/>
+                        <a:t>0.57</a:t>
+                      </a:r>
+                      <a:endParaRPr/>
+                    </a:p>
+                  </a:txBody>
+                  <a:tcPr marT="91425" marB="91425" marR="91425" marL="91425"/>
+                </a:tc>
+              </a:tr>
+              <a:tr h="381000">
+                <a:tc>
+                  <a:txBody>
+                    <a:bodyPr/>
+                    <a:lstStyle/>
+                    <a:p>
+                      <a:pPr indent="0" lvl="0" marL="0" rtl="0" algn="l">
+                        <a:spcBef>
+                          <a:spcPts val="0"/>
+                        </a:spcBef>
+                        <a:spcAft>
+                          <a:spcPts val="0"/>
+                        </a:spcAft>
+                        <a:buNone/>
+                      </a:pPr>
+                      <a:r>
+                        <a:rPr lang="en"/>
+                        <a:t>precision</a:t>
+                      </a:r>
+                      <a:endParaRPr/>
+                    </a:p>
+                  </a:txBody>
+                  <a:tcPr marT="91425" marB="91425" marR="91425" marL="91425"/>
+                </a:tc>
+                <a:tc>
+                  <a:txBody>
+                    <a:bodyPr/>
+                    <a:lstStyle/>
+                    <a:p>
+                      <a:pPr indent="0" lvl="0" marL="0" rtl="0" algn="ctr">
+                        <a:spcBef>
+                          <a:spcPts val="0"/>
+                        </a:spcBef>
+                        <a:spcAft>
+                          <a:spcPts val="0"/>
+                        </a:spcAft>
+                        <a:buNone/>
+                      </a:pPr>
+                      <a:r>
+                        <a:rPr lang="en"/>
+                        <a:t>0.58</a:t>
+                      </a:r>
+                      <a:endParaRPr/>
+                    </a:p>
+                  </a:txBody>
+                  <a:tcPr marT="91425" marB="91425" marR="91425" marL="91425"/>
+                </a:tc>
+                <a:tc>
+                  <a:txBody>
+                    <a:bodyPr/>
+                    <a:lstStyle/>
+                    <a:p>
+                      <a:pPr indent="0" lvl="0" marL="0" rtl="0" algn="ctr">
+                        <a:spcBef>
+                          <a:spcPts val="0"/>
+                        </a:spcBef>
+                        <a:spcAft>
+                          <a:spcPts val="0"/>
+                        </a:spcAft>
+                        <a:buNone/>
+                      </a:pPr>
+                      <a:r>
+                        <a:rPr lang="en"/>
+                        <a:t>0.62</a:t>
+                      </a:r>
+                      <a:endParaRPr/>
+                    </a:p>
+                  </a:txBody>
+                  <a:tcPr marT="91425" marB="91425" marR="91425" marL="91425"/>
+                </a:tc>
+                <a:tc>
+                  <a:txBody>
+                    <a:bodyPr/>
+                    <a:lstStyle/>
+                    <a:p>
+                      <a:pPr indent="0" lvl="0" marL="0" rtl="0" algn="ctr">
+                        <a:spcBef>
+                          <a:spcPts val="0"/>
+                        </a:spcBef>
+                        <a:spcAft>
+                          <a:spcPts val="0"/>
+                        </a:spcAft>
+                        <a:buNone/>
+                      </a:pPr>
+                      <a:r>
+                        <a:rPr lang="en"/>
+                        <a:t>0.63</a:t>
+                      </a:r>
+                      <a:endParaRPr/>
+                    </a:p>
+                  </a:txBody>
+                  <a:tcPr marT="91425" marB="91425" marR="91425" marL="91425"/>
+                </a:tc>
+              </a:tr>
+              <a:tr h="381000">
+                <a:tc>
+                  <a:txBody>
+                    <a:bodyPr/>
+                    <a:lstStyle/>
+                    <a:p>
+                      <a:pPr indent="0" lvl="0" marL="0" rtl="0" algn="l">
+                        <a:spcBef>
+                          <a:spcPts val="0"/>
+                        </a:spcBef>
+                        <a:spcAft>
+                          <a:spcPts val="0"/>
+                        </a:spcAft>
+                        <a:buNone/>
+                      </a:pPr>
+                      <a:r>
+                        <a:rPr lang="en"/>
+                        <a:t>recall</a:t>
+                      </a:r>
+                      <a:endParaRPr/>
+                    </a:p>
+                  </a:txBody>
+                  <a:tcPr marT="91425" marB="91425" marR="91425" marL="91425"/>
+                </a:tc>
+                <a:tc>
+                  <a:txBody>
+                    <a:bodyPr/>
+                    <a:lstStyle/>
+                    <a:p>
+                      <a:pPr indent="0" lvl="0" marL="0" rtl="0" algn="ctr">
+                        <a:spcBef>
+                          <a:spcPts val="0"/>
+                        </a:spcBef>
+                        <a:spcAft>
+                          <a:spcPts val="0"/>
+                        </a:spcAft>
+                        <a:buNone/>
+                      </a:pPr>
+                      <a:r>
+                        <a:rPr lang="en"/>
+                        <a:t>0.43</a:t>
+                      </a:r>
+                      <a:endParaRPr/>
+                    </a:p>
+                  </a:txBody>
+                  <a:tcPr marT="91425" marB="91425" marR="91425" marL="91425"/>
+                </a:tc>
+                <a:tc>
+                  <a:txBody>
+                    <a:bodyPr/>
+                    <a:lstStyle/>
+                    <a:p>
+                      <a:pPr indent="0" lvl="0" marL="0" rtl="0" algn="ctr">
+                        <a:spcBef>
+                          <a:spcPts val="0"/>
+                        </a:spcBef>
+                        <a:spcAft>
+                          <a:spcPts val="0"/>
+                        </a:spcAft>
+                        <a:buNone/>
+                      </a:pPr>
+                      <a:r>
+                        <a:rPr lang="en"/>
+                        <a:t>0.45</a:t>
+                      </a:r>
+                      <a:endParaRPr/>
+                    </a:p>
+                  </a:txBody>
+                  <a:tcPr marT="91425" marB="91425" marR="91425" marL="91425"/>
+                </a:tc>
+                <a:tc>
+                  <a:txBody>
+                    <a:bodyPr/>
+                    <a:lstStyle/>
+                    <a:p>
+                      <a:pPr indent="0" lvl="0" marL="0" rtl="0" algn="ctr">
+                        <a:spcBef>
+                          <a:spcPts val="0"/>
+                        </a:spcBef>
+                        <a:spcAft>
+                          <a:spcPts val="0"/>
+                        </a:spcAft>
+                        <a:buNone/>
+                      </a:pPr>
+                      <a:r>
+                        <a:rPr lang="en"/>
+                        <a:t>0.44</a:t>
+                      </a:r>
+                      <a:endParaRPr/>
+                    </a:p>
+                  </a:txBody>
+                  <a:tcPr marT="91425" marB="91425" marR="91425" marL="91425"/>
+                </a:tc>
+              </a:tr>
+              <a:tr h="381000">
+                <a:tc>
+                  <a:txBody>
+                    <a:bodyPr/>
+                    <a:lstStyle/>
+                    <a:p>
+                      <a:pPr indent="0" lvl="0" marL="0" rtl="0" algn="l">
+                        <a:spcBef>
+                          <a:spcPts val="0"/>
+                        </a:spcBef>
+                        <a:spcAft>
+                          <a:spcPts val="0"/>
+                        </a:spcAft>
+                        <a:buNone/>
+                      </a:pPr>
+                      <a:r>
+                        <a:rPr lang="en"/>
+                        <a:t>f1-score</a:t>
+                      </a:r>
+                      <a:endParaRPr/>
+                    </a:p>
+                  </a:txBody>
+                  <a:tcPr marT="91425" marB="91425" marR="91425" marL="91425"/>
+                </a:tc>
+                <a:tc>
+                  <a:txBody>
+                    <a:bodyPr/>
+                    <a:lstStyle/>
+                    <a:p>
+                      <a:pPr indent="0" lvl="0" marL="0" rtl="0" algn="ctr">
+                        <a:spcBef>
+                          <a:spcPts val="0"/>
+                        </a:spcBef>
+                        <a:spcAft>
+                          <a:spcPts val="0"/>
+                        </a:spcAft>
+                        <a:buNone/>
+                      </a:pPr>
+                      <a:r>
+                        <a:rPr lang="en"/>
+                        <a:t>0.47</a:t>
+                      </a:r>
+                      <a:endParaRPr/>
+                    </a:p>
+                  </a:txBody>
+                  <a:tcPr marT="91425" marB="91425" marR="91425" marL="91425"/>
+                </a:tc>
+                <a:tc>
+                  <a:txBody>
+                    <a:bodyPr/>
+                    <a:lstStyle/>
+                    <a:p>
+                      <a:pPr indent="0" lvl="0" marL="0" rtl="0" algn="ctr">
+                        <a:spcBef>
+                          <a:spcPts val="0"/>
+                        </a:spcBef>
+                        <a:spcAft>
+                          <a:spcPts val="0"/>
+                        </a:spcAft>
+                        <a:buNone/>
+                      </a:pPr>
+                      <a:r>
+                        <a:rPr lang="en"/>
+                        <a:t>0.49</a:t>
+                      </a:r>
+                      <a:endParaRPr/>
+                    </a:p>
+                  </a:txBody>
+                  <a:tcPr marT="91425" marB="91425" marR="91425" marL="91425"/>
+                </a:tc>
+                <a:tc>
+                  <a:txBody>
+                    <a:bodyPr/>
+                    <a:lstStyle/>
+                    <a:p>
+                      <a:pPr indent="0" lvl="0" marL="0" rtl="0" algn="ctr">
+                        <a:spcBef>
+                          <a:spcPts val="0"/>
+                        </a:spcBef>
+                        <a:spcAft>
+                          <a:spcPts val="0"/>
+                        </a:spcAft>
+                        <a:buNone/>
+                      </a:pPr>
+                      <a:r>
+                        <a:rPr lang="en"/>
+                        <a:t>0.48</a:t>
+                      </a:r>
+                      <a:endParaRPr/>
+                    </a:p>
+                  </a:txBody>
+                  <a:tcPr marT="91425" marB="91425" marR="91425" marL="91425"/>
+                </a:tc>
+              </a:tr>
+            </a:tbl>
+          </a:graphicData>
+        </a:graphic>
+      </p:graphicFrame>
       <p:sp>
         <p:nvSpPr>
-          <p:cNvPr id="126" name="Google Shape;126;p18"/>
+          <p:cNvPr id="174" name="Google Shape;174;p21"/>
           <p:cNvSpPr txBox="1"/>
-          <p:nvPr>
-            <p:ph idx="1" type="body"/>
-          </p:nvPr>
+          <p:nvPr/>
         </p:nvSpPr>
         <p:spPr>
           <a:xfrm>
-            <a:off x="729450" y="2078875"/>
-            <a:ext cx="7688700" cy="2261100"/>
-          </a:xfrm>
-          <a:prstGeom prst="rect">
-            <a:avLst/>
-          </a:prstGeom>
-        </p:spPr>
-        <p:txBody>
-          <a:bodyPr anchorCtr="0" anchor="t" bIns="91425" lIns="91425" spcFirstLastPara="1" rIns="91425" wrap="square" tIns="91425">
-            <a:noAutofit/>
-          </a:bodyPr>
-          <a:lstStyle/>
-          <a:p>
-            <a:pPr indent="457200" lvl="0" marL="0" rtl="0" algn="l">
-              <a:spcBef>
-                <a:spcPts val="0"/>
-              </a:spcBef>
-              <a:spcAft>
-                <a:spcPts val="0"/>
-              </a:spcAft>
-              <a:buNone/>
-            </a:pPr>
-            <a:r>
-              <a:rPr b="1" lang="en" sz="1700" u="sng"/>
-              <a:t>“Positive”		  		“Neutral”					“Negative”</a:t>
-            </a:r>
-            <a:endParaRPr b="1" sz="1700" u="sng"/>
-          </a:p>
-          <a:p>
-            <a:pPr indent="-311150" lvl="0" marL="457200" rtl="0" algn="l">
-              <a:spcBef>
-                <a:spcPts val="1600"/>
-              </a:spcBef>
-              <a:spcAft>
-                <a:spcPts val="0"/>
-              </a:spcAft>
-              <a:buSzPts val="1300"/>
-              <a:buChar char="●"/>
-            </a:pPr>
-            <a:r>
-              <a:rPr lang="en"/>
-              <a:t>Natural Language Processing (NLP)</a:t>
-            </a:r>
-            <a:endParaRPr/>
-          </a:p>
-          <a:p>
-            <a:pPr indent="-311150" lvl="0" marL="457200" rtl="0" algn="l">
-              <a:spcBef>
-                <a:spcPts val="0"/>
-              </a:spcBef>
-              <a:spcAft>
-                <a:spcPts val="0"/>
-              </a:spcAft>
-              <a:buSzPts val="1300"/>
-              <a:buChar char="●"/>
-            </a:pPr>
-            <a:r>
-              <a:rPr lang="en"/>
-              <a:t>nltk Python package</a:t>
-            </a:r>
-            <a:endParaRPr/>
-          </a:p>
-          <a:p>
-            <a:pPr indent="-298450" lvl="1" marL="914400" rtl="0" algn="l">
-              <a:spcBef>
-                <a:spcPts val="0"/>
-              </a:spcBef>
-              <a:spcAft>
-                <a:spcPts val="0"/>
-              </a:spcAft>
-              <a:buSzPts val="1100"/>
-              <a:buChar char="○"/>
-            </a:pPr>
-            <a:r>
-              <a:rPr lang="en"/>
-              <a:t>SentimentIntensityAnalyzer</a:t>
-            </a:r>
-            <a:endParaRPr/>
-          </a:p>
-          <a:p>
-            <a:pPr indent="-311150" lvl="0" marL="457200" rtl="0" algn="l">
-              <a:spcBef>
-                <a:spcPts val="0"/>
-              </a:spcBef>
-              <a:spcAft>
-                <a:spcPts val="0"/>
-              </a:spcAft>
-              <a:buSzPts val="1300"/>
-              <a:buChar char="●"/>
-            </a:pPr>
-            <a:r>
-              <a:rPr lang="en"/>
-              <a:t>Examine text of each review</a:t>
-            </a:r>
-            <a:endParaRPr/>
-          </a:p>
-          <a:p>
-            <a:pPr indent="-311150" lvl="0" marL="457200" rtl="0" algn="l">
-              <a:spcBef>
-                <a:spcPts val="0"/>
-              </a:spcBef>
-              <a:spcAft>
-                <a:spcPts val="0"/>
-              </a:spcAft>
-              <a:buSzPts val="1300"/>
-              <a:buChar char="●"/>
-            </a:pPr>
-            <a:r>
-              <a:rPr lang="en"/>
-              <a:t>Assign sentiment</a:t>
-            </a:r>
-            <a:endParaRPr/>
-          </a:p>
-        </p:txBody>
-      </p:sp>
-    </p:spTree>
-  </p:cSld>
-  <p:clrMapOvr>
-    <a:masterClrMapping/>
-  </p:clrMapOvr>
-</p:sld>
-</file>
-
-<file path=ppt/slides/slide7.xml><?xml version="1.0" encoding="utf-8"?>
-<p:sld xmlns:a="http://schemas.openxmlformats.org/drawingml/2006/main" xmlns:r="http://schemas.openxmlformats.org/officeDocument/2006/relationships" xmlns:mc="http://schemas.openxmlformats.org/markup-compatibility/2006" xmlns:mv="urn:schemas-microsoft-com:mac:vml" xmlns:p="http://schemas.openxmlformats.org/presentationml/2006/main" xmlns:c="http://schemas.openxmlformats.org/drawingml/2006/chart" xmlns:dgm="http://schemas.openxmlformats.org/drawingml/2006/diagram" xmlns:o="urn:schemas-microsoft-com:office:office" xmlns:v="urn:schemas-microsoft-com:vml" xmlns:pvml="urn:schemas-microsoft-com:office:powerpoint" xmlns:com="http://schemas.openxmlformats.org/drawingml/2006/compatibility" xmlns:p14="http://schemas.microsoft.com/office/powerpoint/2010/main" xmlns:p15="http://schemas.microsoft.com/office/powerpoint/2012/main" xmlns:ahyp="http://schemas.microsoft.com/office/drawing/2018/hyperlinkcolor">
-  <p:cSld>
-    <p:spTree>
-      <p:nvGrpSpPr>
-        <p:cNvPr id="130" name="Shape 130"/>
-        <p:cNvGrpSpPr/>
-        <p:nvPr/>
-      </p:nvGrpSpPr>
-      <p:grpSpPr>
-        <a:xfrm>
-          <a:off x="0" y="0"/>
-          <a:ext cx="0" cy="0"/>
-          <a:chOff x="0" y="0"/>
-          <a:chExt cx="0" cy="0"/>
-        </a:xfrm>
-      </p:grpSpPr>
-      <p:sp>
-        <p:nvSpPr>
-          <p:cNvPr id="131" name="Google Shape;131;p19"/>
-          <p:cNvSpPr txBox="1"/>
-          <p:nvPr>
-            <p:ph type="title"/>
-          </p:nvPr>
-        </p:nvSpPr>
-        <p:spPr>
-          <a:xfrm>
-            <a:off x="729450" y="1318650"/>
-            <a:ext cx="7688700" cy="535200"/>
-          </a:xfrm>
-          <a:prstGeom prst="rect">
-            <a:avLst/>
-          </a:prstGeom>
-        </p:spPr>
-        <p:txBody>
-          <a:bodyPr anchorCtr="0" anchor="t" bIns="91425" lIns="91425" spcFirstLastPara="1" rIns="91425" wrap="square" tIns="91425">
-            <a:noAutofit/>
-          </a:bodyPr>
-          <a:lstStyle/>
-          <a:p>
-            <a:pPr indent="0" lvl="0" marL="0" rtl="0" algn="l">
-              <a:spcBef>
-                <a:spcPts val="0"/>
-              </a:spcBef>
-              <a:spcAft>
-                <a:spcPts val="0"/>
-              </a:spcAft>
-              <a:buNone/>
-            </a:pPr>
-            <a:r>
-              <a:rPr lang="en"/>
-              <a:t>Modelling - Optimal Hyperparameters</a:t>
-            </a:r>
-            <a:endParaRPr/>
-          </a:p>
-        </p:txBody>
-      </p:sp>
-      <p:sp>
-        <p:nvSpPr>
-          <p:cNvPr id="132" name="Google Shape;132;p19"/>
-          <p:cNvSpPr txBox="1"/>
-          <p:nvPr>
-            <p:ph idx="1" type="body"/>
-          </p:nvPr>
-        </p:nvSpPr>
-        <p:spPr>
-          <a:xfrm>
-            <a:off x="729450" y="2078875"/>
-            <a:ext cx="7688700" cy="2652900"/>
-          </a:xfrm>
-          <a:prstGeom prst="rect">
-            <a:avLst/>
-          </a:prstGeom>
-        </p:spPr>
-        <p:txBody>
-          <a:bodyPr anchorCtr="0" anchor="t" bIns="91425" lIns="91425" spcFirstLastPara="1" rIns="91425" wrap="square" tIns="91425">
-            <a:noAutofit/>
-          </a:bodyPr>
-          <a:lstStyle/>
-          <a:p>
-            <a:pPr indent="-311150" lvl="0" marL="457200" rtl="0" algn="l">
-              <a:spcBef>
-                <a:spcPts val="0"/>
-              </a:spcBef>
-              <a:spcAft>
-                <a:spcPts val="0"/>
-              </a:spcAft>
-              <a:buSzPts val="1300"/>
-              <a:buAutoNum type="arabicParenR"/>
-            </a:pPr>
-            <a:r>
-              <a:rPr lang="en"/>
-              <a:t>K-Nearest Neighbors</a:t>
-            </a:r>
-            <a:endParaRPr/>
-          </a:p>
-          <a:p>
-            <a:pPr indent="-298450" lvl="1" marL="914400" rtl="0" algn="l">
-              <a:spcBef>
-                <a:spcPts val="0"/>
-              </a:spcBef>
-              <a:spcAft>
-                <a:spcPts val="0"/>
-              </a:spcAft>
-              <a:buSzPts val="1100"/>
-              <a:buAutoNum type="alphaLcParenR"/>
-            </a:pPr>
-            <a:r>
-              <a:rPr lang="en"/>
-              <a:t>N_neighbors: </a:t>
-            </a:r>
-            <a:r>
-              <a:rPr lang="en"/>
-              <a:t>13</a:t>
-            </a:r>
-            <a:endParaRPr/>
-          </a:p>
-          <a:p>
-            <a:pPr indent="-298450" lvl="1" marL="914400" rtl="0" algn="l">
-              <a:spcBef>
-                <a:spcPts val="0"/>
-              </a:spcBef>
-              <a:spcAft>
-                <a:spcPts val="0"/>
-              </a:spcAft>
-              <a:buSzPts val="1100"/>
-              <a:buAutoNum type="alphaLcParenR"/>
-            </a:pPr>
-            <a:r>
-              <a:rPr lang="en"/>
-              <a:t>Leaf_size: 3</a:t>
-            </a:r>
-            <a:endParaRPr/>
-          </a:p>
-          <a:p>
-            <a:pPr indent="-298450" lvl="1" marL="914400" rtl="0" algn="l">
-              <a:spcBef>
-                <a:spcPts val="0"/>
-              </a:spcBef>
-              <a:spcAft>
-                <a:spcPts val="0"/>
-              </a:spcAft>
-              <a:buSzPts val="1100"/>
-              <a:buAutoNum type="alphaLcParenR"/>
-            </a:pPr>
-            <a:r>
-              <a:rPr lang="en"/>
-              <a:t>P:  2</a:t>
-            </a:r>
-            <a:endParaRPr/>
-          </a:p>
-          <a:p>
-            <a:pPr indent="-311150" lvl="0" marL="457200" rtl="0" algn="l">
-              <a:spcBef>
-                <a:spcPts val="0"/>
-              </a:spcBef>
-              <a:spcAft>
-                <a:spcPts val="0"/>
-              </a:spcAft>
-              <a:buSzPts val="1300"/>
-              <a:buAutoNum type="arabicParenR"/>
-            </a:pPr>
-            <a:r>
-              <a:rPr lang="en"/>
-              <a:t>Decision Tree</a:t>
-            </a:r>
-            <a:endParaRPr/>
-          </a:p>
-          <a:p>
-            <a:pPr indent="-298450" lvl="1" marL="914400" rtl="0" algn="l">
-              <a:spcBef>
-                <a:spcPts val="0"/>
-              </a:spcBef>
-              <a:spcAft>
-                <a:spcPts val="0"/>
-              </a:spcAft>
-              <a:buSzPts val="1100"/>
-              <a:buAutoNum type="alphaLcParenR"/>
-            </a:pPr>
-            <a:r>
-              <a:rPr lang="en"/>
-              <a:t>Max_depth: 9</a:t>
-            </a:r>
-            <a:endParaRPr/>
-          </a:p>
-          <a:p>
-            <a:pPr indent="-298450" lvl="1" marL="914400" rtl="0" algn="l">
-              <a:spcBef>
-                <a:spcPts val="0"/>
-              </a:spcBef>
-              <a:spcAft>
-                <a:spcPts val="0"/>
-              </a:spcAft>
-              <a:buSzPts val="1100"/>
-              <a:buAutoNum type="alphaLcParenR"/>
-            </a:pPr>
-            <a:r>
-              <a:rPr lang="en"/>
-              <a:t>Min_samples_leaf: 13</a:t>
-            </a:r>
-            <a:endParaRPr/>
-          </a:p>
-          <a:p>
-            <a:pPr indent="-298450" lvl="1" marL="914400" rtl="0" algn="l">
-              <a:spcBef>
-                <a:spcPts val="0"/>
-              </a:spcBef>
-              <a:spcAft>
-                <a:spcPts val="0"/>
-              </a:spcAft>
-              <a:buSzPts val="1100"/>
-              <a:buAutoNum type="alphaLcParenR"/>
-            </a:pPr>
-            <a:r>
-              <a:rPr lang="en"/>
-              <a:t>Criterion: entropy</a:t>
-            </a:r>
-            <a:endParaRPr/>
-          </a:p>
-          <a:p>
-            <a:pPr indent="-311150" lvl="0" marL="457200" rtl="0" algn="l">
-              <a:spcBef>
-                <a:spcPts val="0"/>
-              </a:spcBef>
-              <a:spcAft>
-                <a:spcPts val="0"/>
-              </a:spcAft>
-              <a:buSzPts val="1300"/>
-              <a:buAutoNum type="arabicParenR"/>
-            </a:pPr>
-            <a:r>
-              <a:rPr lang="en"/>
-              <a:t>Random Forest</a:t>
-            </a:r>
-            <a:endParaRPr/>
-          </a:p>
-          <a:p>
-            <a:pPr indent="-298450" lvl="1" marL="914400" rtl="0" algn="l">
-              <a:spcBef>
-                <a:spcPts val="0"/>
-              </a:spcBef>
-              <a:spcAft>
-                <a:spcPts val="0"/>
-              </a:spcAft>
-              <a:buSzPts val="1100"/>
-              <a:buAutoNum type="alphaLcParenR"/>
-            </a:pPr>
-            <a:r>
-              <a:rPr lang="en"/>
-              <a:t>N_estimators: 300</a:t>
-            </a:r>
-            <a:endParaRPr/>
-          </a:p>
-          <a:p>
-            <a:pPr indent="-298450" lvl="1" marL="914400" rtl="0" algn="l">
-              <a:spcBef>
-                <a:spcPts val="0"/>
-              </a:spcBef>
-              <a:spcAft>
-                <a:spcPts val="0"/>
-              </a:spcAft>
-              <a:buSzPts val="1100"/>
-              <a:buAutoNum type="alphaLcParenR"/>
-            </a:pPr>
-            <a:r>
-              <a:rPr lang="en"/>
-              <a:t>Max_depth: 15</a:t>
-            </a:r>
-            <a:endParaRPr/>
-          </a:p>
-          <a:p>
-            <a:pPr indent="-298450" lvl="1" marL="914400" rtl="0" algn="l">
-              <a:spcBef>
-                <a:spcPts val="0"/>
-              </a:spcBef>
-              <a:spcAft>
-                <a:spcPts val="0"/>
-              </a:spcAft>
-              <a:buSzPts val="1100"/>
-              <a:buAutoNum type="alphaLcParenR"/>
-            </a:pPr>
-            <a:r>
-              <a:rPr lang="en"/>
-              <a:t>Min_samples_leaf: 5</a:t>
-            </a:r>
-            <a:endParaRPr/>
-          </a:p>
-        </p:txBody>
-      </p:sp>
-    </p:spTree>
-  </p:cSld>
-  <p:clrMapOvr>
-    <a:masterClrMapping/>
-  </p:clrMapOvr>
-</p:sld>
-</file>
-
-<file path=ppt/slides/slide8.xml><?xml version="1.0" encoding="utf-8"?>
-<p:sld xmlns:a="http://schemas.openxmlformats.org/drawingml/2006/main" xmlns:r="http://schemas.openxmlformats.org/officeDocument/2006/relationships" xmlns:mc="http://schemas.openxmlformats.org/markup-compatibility/2006" xmlns:mv="urn:schemas-microsoft-com:mac:vml" xmlns:p="http://schemas.openxmlformats.org/presentationml/2006/main" xmlns:c="http://schemas.openxmlformats.org/drawingml/2006/chart" xmlns:dgm="http://schemas.openxmlformats.org/drawingml/2006/diagram" xmlns:o="urn:schemas-microsoft-com:office:office" xmlns:v="urn:schemas-microsoft-com:vml" xmlns:pvml="urn:schemas-microsoft-com:office:powerpoint" xmlns:com="http://schemas.openxmlformats.org/drawingml/2006/compatibility" xmlns:p14="http://schemas.microsoft.com/office/powerpoint/2010/main" xmlns:p15="http://schemas.microsoft.com/office/powerpoint/2012/main" xmlns:ahyp="http://schemas.microsoft.com/office/drawing/2018/hyperlinkcolor">
-  <p:cSld>
-    <p:spTree>
-      <p:nvGrpSpPr>
-        <p:cNvPr id="136" name="Shape 136"/>
-        <p:cNvGrpSpPr/>
-        <p:nvPr/>
-      </p:nvGrpSpPr>
-      <p:grpSpPr>
-        <a:xfrm>
-          <a:off x="0" y="0"/>
-          <a:ext cx="0" cy="0"/>
-          <a:chOff x="0" y="0"/>
-          <a:chExt cx="0" cy="0"/>
-        </a:xfrm>
-      </p:grpSpPr>
-      <p:sp>
-        <p:nvSpPr>
-          <p:cNvPr id="137" name="Google Shape;137;p20"/>
-          <p:cNvSpPr txBox="1"/>
-          <p:nvPr>
-            <p:ph type="title"/>
-          </p:nvPr>
-        </p:nvSpPr>
-        <p:spPr>
-          <a:xfrm>
-            <a:off x="729450" y="1318650"/>
-            <a:ext cx="7688700" cy="535200"/>
-          </a:xfrm>
-          <a:prstGeom prst="rect">
-            <a:avLst/>
-          </a:prstGeom>
-        </p:spPr>
-        <p:txBody>
-          <a:bodyPr anchorCtr="0" anchor="t" bIns="91425" lIns="91425" spcFirstLastPara="1" rIns="91425" wrap="square" tIns="91425">
-            <a:noAutofit/>
-          </a:bodyPr>
-          <a:lstStyle/>
-          <a:p>
-            <a:pPr indent="0" lvl="0" marL="0" rtl="0" algn="l">
-              <a:spcBef>
-                <a:spcPts val="0"/>
-              </a:spcBef>
-              <a:spcAft>
-                <a:spcPts val="0"/>
-              </a:spcAft>
-              <a:buNone/>
-            </a:pPr>
-            <a:r>
-              <a:rPr lang="en"/>
-              <a:t>Model Results</a:t>
-            </a:r>
-            <a:endParaRPr/>
-          </a:p>
-        </p:txBody>
-      </p:sp>
-      <p:sp>
-        <p:nvSpPr>
-          <p:cNvPr id="138" name="Google Shape;138;p20"/>
-          <p:cNvSpPr txBox="1"/>
-          <p:nvPr>
-            <p:ph idx="1" type="body"/>
-          </p:nvPr>
-        </p:nvSpPr>
-        <p:spPr>
-          <a:xfrm>
-            <a:off x="729450" y="2078875"/>
-            <a:ext cx="2469600" cy="2261100"/>
-          </a:xfrm>
-          <a:prstGeom prst="rect">
-            <a:avLst/>
-          </a:prstGeom>
-        </p:spPr>
-        <p:txBody>
-          <a:bodyPr anchorCtr="0" anchor="t" bIns="91425" lIns="91425" spcFirstLastPara="1" rIns="91425" wrap="square" tIns="91425">
-            <a:noAutofit/>
-          </a:bodyPr>
-          <a:lstStyle/>
-          <a:p>
-            <a:pPr indent="0" lvl="0" marL="0" rtl="0" algn="l">
-              <a:spcBef>
-                <a:spcPts val="0"/>
-              </a:spcBef>
-              <a:spcAft>
-                <a:spcPts val="0"/>
-              </a:spcAft>
-              <a:buNone/>
-            </a:pPr>
-            <a:r>
-              <a:rPr b="1" lang="en" u="sng"/>
-              <a:t>K-Nearest Neighbors</a:t>
-            </a:r>
-            <a:endParaRPr b="1" u="sng"/>
-          </a:p>
-          <a:p>
-            <a:pPr indent="0" lvl="0" marL="0" rtl="0" algn="l">
-              <a:spcBef>
-                <a:spcPts val="1600"/>
-              </a:spcBef>
-              <a:spcAft>
-                <a:spcPts val="0"/>
-              </a:spcAft>
-              <a:buNone/>
-            </a:pPr>
-            <a:r>
-              <a:rPr lang="en"/>
-              <a:t>Best model performance:</a:t>
-            </a:r>
-            <a:endParaRPr/>
-          </a:p>
-          <a:p>
-            <a:pPr indent="0" lvl="0" marL="0" rtl="0" algn="l">
-              <a:spcBef>
-                <a:spcPts val="1600"/>
-              </a:spcBef>
-              <a:spcAft>
-                <a:spcPts val="1600"/>
-              </a:spcAft>
-              <a:buNone/>
-            </a:pPr>
-            <a:r>
-              <a:t/>
-            </a:r>
-            <a:endParaRPr/>
-          </a:p>
-        </p:txBody>
-      </p:sp>
-      <p:sp>
-        <p:nvSpPr>
-          <p:cNvPr id="139" name="Google Shape;139;p20"/>
-          <p:cNvSpPr txBox="1"/>
-          <p:nvPr>
-            <p:ph idx="1" type="body"/>
-          </p:nvPr>
-        </p:nvSpPr>
-        <p:spPr>
-          <a:xfrm>
-            <a:off x="3426350" y="2078875"/>
-            <a:ext cx="2469600" cy="2261100"/>
-          </a:xfrm>
-          <a:prstGeom prst="rect">
-            <a:avLst/>
-          </a:prstGeom>
-        </p:spPr>
-        <p:txBody>
-          <a:bodyPr anchorCtr="0" anchor="t" bIns="91425" lIns="91425" spcFirstLastPara="1" rIns="91425" wrap="square" tIns="91425">
-            <a:noAutofit/>
-          </a:bodyPr>
-          <a:lstStyle/>
-          <a:p>
-            <a:pPr indent="0" lvl="0" marL="0" rtl="0" algn="l">
-              <a:spcBef>
-                <a:spcPts val="0"/>
-              </a:spcBef>
-              <a:spcAft>
-                <a:spcPts val="0"/>
-              </a:spcAft>
-              <a:buNone/>
-            </a:pPr>
-            <a:r>
-              <a:rPr b="1" lang="en" u="sng"/>
-              <a:t>Decision Tree</a:t>
-            </a:r>
-            <a:endParaRPr b="1" u="sng"/>
-          </a:p>
-          <a:p>
-            <a:pPr indent="0" lvl="0" marL="0" rtl="0" algn="l">
-              <a:spcBef>
-                <a:spcPts val="1600"/>
-              </a:spcBef>
-              <a:spcAft>
-                <a:spcPts val="1600"/>
-              </a:spcAft>
-              <a:buNone/>
-            </a:pPr>
-            <a:r>
-              <a:rPr lang="en"/>
-              <a:t>Best model performance:</a:t>
-            </a:r>
-            <a:endParaRPr b="1" u="sng"/>
-          </a:p>
-        </p:txBody>
-      </p:sp>
-      <p:sp>
-        <p:nvSpPr>
-          <p:cNvPr id="140" name="Google Shape;140;p20"/>
-          <p:cNvSpPr txBox="1"/>
-          <p:nvPr>
-            <p:ph idx="1" type="body"/>
-          </p:nvPr>
-        </p:nvSpPr>
-        <p:spPr>
-          <a:xfrm>
-            <a:off x="6123250" y="2078875"/>
-            <a:ext cx="2469600" cy="2261100"/>
-          </a:xfrm>
-          <a:prstGeom prst="rect">
-            <a:avLst/>
-          </a:prstGeom>
-        </p:spPr>
-        <p:txBody>
-          <a:bodyPr anchorCtr="0" anchor="t" bIns="91425" lIns="91425" spcFirstLastPara="1" rIns="91425" wrap="square" tIns="91425">
-            <a:noAutofit/>
-          </a:bodyPr>
-          <a:lstStyle/>
-          <a:p>
-            <a:pPr indent="0" lvl="0" marL="0" rtl="0" algn="l">
-              <a:spcBef>
-                <a:spcPts val="0"/>
-              </a:spcBef>
-              <a:spcAft>
-                <a:spcPts val="0"/>
-              </a:spcAft>
-              <a:buNone/>
-            </a:pPr>
-            <a:r>
-              <a:rPr b="1" lang="en" u="sng"/>
-              <a:t>Random Forest</a:t>
-            </a:r>
-            <a:endParaRPr b="1" u="sng"/>
-          </a:p>
-          <a:p>
-            <a:pPr indent="0" lvl="0" marL="0" rtl="0" algn="l">
-              <a:spcBef>
-                <a:spcPts val="1600"/>
-              </a:spcBef>
-              <a:spcAft>
-                <a:spcPts val="1600"/>
-              </a:spcAft>
-              <a:buNone/>
-            </a:pPr>
-            <a:r>
-              <a:rPr lang="en"/>
-              <a:t>Best model performance:</a:t>
-            </a:r>
-            <a:endParaRPr b="1" u="sng"/>
-          </a:p>
-        </p:txBody>
-      </p:sp>
-      <p:pic>
-        <p:nvPicPr>
-          <p:cNvPr id="141" name="Google Shape;141;p20"/>
-          <p:cNvPicPr preferRelativeResize="0"/>
-          <p:nvPr/>
-        </p:nvPicPr>
-        <p:blipFill>
-          <a:blip r:embed="rId3">
-            <a:alphaModFix/>
-          </a:blip>
-          <a:stretch>
-            <a:fillRect/>
-          </a:stretch>
-        </p:blipFill>
-        <p:spPr>
-          <a:xfrm>
-            <a:off x="162523" y="3081700"/>
-            <a:ext cx="2627324" cy="1258275"/>
+            <a:off x="948025" y="4292175"/>
+            <a:ext cx="7239000" cy="666900"/>
           </a:xfrm>
           <a:prstGeom prst="rect">
             <a:avLst/>
@@ -10888,105 +12842,6 @@
             <a:noFill/>
           </a:ln>
         </p:spPr>
-      </p:pic>
-      <p:pic>
-        <p:nvPicPr>
-          <p:cNvPr id="142" name="Google Shape;142;p20"/>
-          <p:cNvPicPr preferRelativeResize="0"/>
-          <p:nvPr/>
-        </p:nvPicPr>
-        <p:blipFill>
-          <a:blip r:embed="rId4">
-            <a:alphaModFix/>
-          </a:blip>
-          <a:stretch>
-            <a:fillRect/>
-          </a:stretch>
-        </p:blipFill>
-        <p:spPr>
-          <a:xfrm>
-            <a:off x="3426350" y="3081700"/>
-            <a:ext cx="1977300" cy="1258275"/>
-          </a:xfrm>
-          <a:prstGeom prst="rect">
-            <a:avLst/>
-          </a:prstGeom>
-          <a:noFill/>
-          <a:ln>
-            <a:noFill/>
-          </a:ln>
-        </p:spPr>
-      </p:pic>
-      <p:pic>
-        <p:nvPicPr>
-          <p:cNvPr id="143" name="Google Shape;143;p20"/>
-          <p:cNvPicPr preferRelativeResize="0"/>
-          <p:nvPr/>
-        </p:nvPicPr>
-        <p:blipFill>
-          <a:blip r:embed="rId5">
-            <a:alphaModFix/>
-          </a:blip>
-          <a:stretch>
-            <a:fillRect/>
-          </a:stretch>
-        </p:blipFill>
-        <p:spPr>
-          <a:xfrm>
-            <a:off x="6123250" y="3081700"/>
-            <a:ext cx="2037597" cy="1258275"/>
-          </a:xfrm>
-          <a:prstGeom prst="rect">
-            <a:avLst/>
-          </a:prstGeom>
-          <a:noFill/>
-          <a:ln>
-            <a:noFill/>
-          </a:ln>
-        </p:spPr>
-      </p:pic>
-    </p:spTree>
-  </p:cSld>
-  <p:clrMapOvr>
-    <a:masterClrMapping/>
-  </p:clrMapOvr>
-</p:sld>
-</file>
-
-<file path=ppt/slides/slide9.xml><?xml version="1.0" encoding="utf-8"?>
-<p:sld xmlns:a="http://schemas.openxmlformats.org/drawingml/2006/main" xmlns:r="http://schemas.openxmlformats.org/officeDocument/2006/relationships" xmlns:mc="http://schemas.openxmlformats.org/markup-compatibility/2006" xmlns:mv="urn:schemas-microsoft-com:mac:vml" xmlns:p="http://schemas.openxmlformats.org/presentationml/2006/main" xmlns:c="http://schemas.openxmlformats.org/drawingml/2006/chart" xmlns:dgm="http://schemas.openxmlformats.org/drawingml/2006/diagram" xmlns:o="urn:schemas-microsoft-com:office:office" xmlns:v="urn:schemas-microsoft-com:vml" xmlns:pvml="urn:schemas-microsoft-com:office:powerpoint" xmlns:com="http://schemas.openxmlformats.org/drawingml/2006/compatibility" xmlns:p14="http://schemas.microsoft.com/office/powerpoint/2010/main" xmlns:p15="http://schemas.microsoft.com/office/powerpoint/2012/main" xmlns:ahyp="http://schemas.microsoft.com/office/drawing/2018/hyperlinkcolor">
-  <p:cSld>
-    <p:spTree>
-      <p:nvGrpSpPr>
-        <p:cNvPr id="147" name="Shape 147"/>
-        <p:cNvGrpSpPr/>
-        <p:nvPr/>
-      </p:nvGrpSpPr>
-      <p:grpSpPr>
-        <a:xfrm>
-          <a:off x="0" y="0"/>
-          <a:ext cx="0" cy="0"/>
-          <a:chOff x="0" y="0"/>
-          <a:chExt cx="0" cy="0"/>
-        </a:xfrm>
-      </p:grpSpPr>
-      <p:sp>
-        <p:nvSpPr>
-          <p:cNvPr id="148" name="Google Shape;148;p21"/>
-          <p:cNvSpPr txBox="1"/>
-          <p:nvPr>
-            <p:ph type="title"/>
-          </p:nvPr>
-        </p:nvSpPr>
-        <p:spPr>
-          <a:xfrm>
-            <a:off x="729450" y="1318650"/>
-            <a:ext cx="7688700" cy="535200"/>
-          </a:xfrm>
-          <a:prstGeom prst="rect">
-            <a:avLst/>
-          </a:prstGeom>
-        </p:spPr>
         <p:txBody>
           <a:bodyPr anchorCtr="0" anchor="t" bIns="91425" lIns="91425" spcFirstLastPara="1" rIns="91425" wrap="square" tIns="91425">
             <a:noAutofit/>
@@ -11003,135 +12858,17 @@
               <a:buNone/>
             </a:pPr>
             <a:r>
-              <a:rPr lang="en"/>
-              <a:t>Recommendations</a:t>
+              <a:t/>
             </a:r>
-            <a:endParaRPr/>
+            <a:endParaRPr>
+              <a:latin typeface="Lato"/>
+              <a:ea typeface="Lato"/>
+              <a:cs typeface="Lato"/>
+              <a:sym typeface="Lato"/>
+            </a:endParaRPr>
           </a:p>
         </p:txBody>
       </p:sp>
-      <p:sp>
-        <p:nvSpPr>
-          <p:cNvPr id="149" name="Google Shape;149;p21"/>
-          <p:cNvSpPr txBox="1"/>
-          <p:nvPr>
-            <p:ph idx="1" type="body"/>
-          </p:nvPr>
-        </p:nvSpPr>
-        <p:spPr>
-          <a:xfrm>
-            <a:off x="729450" y="2078875"/>
-            <a:ext cx="3328500" cy="2261100"/>
-          </a:xfrm>
-          <a:prstGeom prst="rect">
-            <a:avLst/>
-          </a:prstGeom>
-        </p:spPr>
-        <p:txBody>
-          <a:bodyPr anchorCtr="0" anchor="t" bIns="91425" lIns="91425" spcFirstLastPara="1" rIns="91425" wrap="square" tIns="91425">
-            <a:noAutofit/>
-          </a:bodyPr>
-          <a:lstStyle/>
-          <a:p>
-            <a:pPr indent="0" lvl="0" marL="0" rtl="0" algn="l">
-              <a:spcBef>
-                <a:spcPts val="0"/>
-              </a:spcBef>
-              <a:spcAft>
-                <a:spcPts val="0"/>
-              </a:spcAft>
-              <a:buNone/>
-            </a:pPr>
-            <a:r>
-              <a:rPr lang="en" u="sng"/>
-              <a:t>Most predictive feature: </a:t>
-            </a:r>
-            <a:endParaRPr u="sng"/>
-          </a:p>
-          <a:p>
-            <a:pPr indent="0" lvl="0" marL="0" rtl="0" algn="l">
-              <a:spcBef>
-                <a:spcPts val="1600"/>
-              </a:spcBef>
-              <a:spcAft>
-                <a:spcPts val="0"/>
-              </a:spcAft>
-              <a:buNone/>
-            </a:pPr>
-            <a:r>
-              <a:rPr b="1" lang="en"/>
-              <a:t>R</a:t>
-            </a:r>
-            <a:r>
-              <a:rPr b="1" lang="en"/>
-              <a:t>eader’s average rating by book cluster</a:t>
-            </a:r>
-            <a:endParaRPr b="1"/>
-          </a:p>
-          <a:p>
-            <a:pPr indent="-311150" lvl="0" marL="457200" rtl="0" algn="l">
-              <a:spcBef>
-                <a:spcPts val="1600"/>
-              </a:spcBef>
-              <a:spcAft>
-                <a:spcPts val="0"/>
-              </a:spcAft>
-              <a:buSzPts val="1300"/>
-              <a:buChar char="●"/>
-            </a:pPr>
-            <a:r>
-              <a:rPr lang="en"/>
-              <a:t>Focus on refining clustering</a:t>
-            </a:r>
-            <a:endParaRPr/>
-          </a:p>
-          <a:p>
-            <a:pPr indent="-311150" lvl="0" marL="457200" rtl="0" algn="l">
-              <a:spcBef>
-                <a:spcPts val="0"/>
-              </a:spcBef>
-              <a:spcAft>
-                <a:spcPts val="0"/>
-              </a:spcAft>
-              <a:buSzPts val="1300"/>
-              <a:buChar char="●"/>
-            </a:pPr>
-            <a:r>
-              <a:rPr lang="en"/>
-              <a:t>Expand book data features</a:t>
-            </a:r>
-            <a:endParaRPr/>
-          </a:p>
-        </p:txBody>
-      </p:sp>
-      <p:pic>
-        <p:nvPicPr>
-          <p:cNvPr id="150" name="Google Shape;150;p21"/>
-          <p:cNvPicPr preferRelativeResize="0"/>
-          <p:nvPr/>
-        </p:nvPicPr>
-        <p:blipFill>
-          <a:blip r:embed="rId3">
-            <a:alphaModFix/>
-          </a:blip>
-          <a:stretch>
-            <a:fillRect/>
-          </a:stretch>
-        </p:blipFill>
-        <p:spPr>
-          <a:xfrm>
-            <a:off x="4057850" y="1988000"/>
-            <a:ext cx="4114800" cy="2743200"/>
-          </a:xfrm>
-          <a:prstGeom prst="rect">
-            <a:avLst/>
-          </a:prstGeom>
-          <a:noFill/>
-          <a:ln>
-            <a:noFill/>
-          </a:ln>
-        </p:spPr>
-      </p:pic>
     </p:spTree>
   </p:cSld>
   <p:clrMapOvr>
